--- a/Documents/Presentation1.pptx
+++ b/Documents/Presentation1.pptx
@@ -6,6 +6,7 @@
   </p:sldMasterIdLst>
   <p:sldIdLst>
     <p:sldId id="256" r:id="rId2"/>
+    <p:sldId id="257" r:id="rId3"/>
   </p:sldIdLst>
   <p:sldSz cx="12192000" cy="6858000"/>
   <p:notesSz cx="6858000" cy="9144000"/>
@@ -104,6 +105,11 @@
       </a:defRPr>
     </a:lvl9pPr>
   </p:defaultTextStyle>
+  <p:extLst>
+    <p:ext uri="{EFAFB233-063F-42B5-8137-9DF3F51BA10A}">
+      <p15:sldGuideLst xmlns:p15="http://schemas.microsoft.com/office/powerpoint/2012/main"/>
+    </p:ext>
+  </p:extLst>
 </p:presentation>
 </file>
 
@@ -254,7 +260,7 @@
           <a:p>
             <a:fld id="{584E785A-4B92-4669-BA48-10B4A554473E}" type="datetimeFigureOut">
               <a:rPr lang="en-US" smtClean="0"/>
-              <a:t>7/13/2023</a:t>
+              <a:t>7/24/2023</a:t>
             </a:fld>
             <a:endParaRPr lang="en-US"/>
           </a:p>
@@ -452,7 +458,7 @@
           <a:p>
             <a:fld id="{584E785A-4B92-4669-BA48-10B4A554473E}" type="datetimeFigureOut">
               <a:rPr lang="en-US" smtClean="0"/>
-              <a:t>7/13/2023</a:t>
+              <a:t>7/24/2023</a:t>
             </a:fld>
             <a:endParaRPr lang="en-US"/>
           </a:p>
@@ -660,7 +666,7 @@
           <a:p>
             <a:fld id="{584E785A-4B92-4669-BA48-10B4A554473E}" type="datetimeFigureOut">
               <a:rPr lang="en-US" smtClean="0"/>
-              <a:t>7/13/2023</a:t>
+              <a:t>7/24/2023</a:t>
             </a:fld>
             <a:endParaRPr lang="en-US"/>
           </a:p>
@@ -858,7 +864,7 @@
           <a:p>
             <a:fld id="{584E785A-4B92-4669-BA48-10B4A554473E}" type="datetimeFigureOut">
               <a:rPr lang="en-US" smtClean="0"/>
-              <a:t>7/13/2023</a:t>
+              <a:t>7/24/2023</a:t>
             </a:fld>
             <a:endParaRPr lang="en-US"/>
           </a:p>
@@ -1133,7 +1139,7 @@
           <a:p>
             <a:fld id="{584E785A-4B92-4669-BA48-10B4A554473E}" type="datetimeFigureOut">
               <a:rPr lang="en-US" smtClean="0"/>
-              <a:t>7/13/2023</a:t>
+              <a:t>7/24/2023</a:t>
             </a:fld>
             <a:endParaRPr lang="en-US"/>
           </a:p>
@@ -1398,7 +1404,7 @@
           <a:p>
             <a:fld id="{584E785A-4B92-4669-BA48-10B4A554473E}" type="datetimeFigureOut">
               <a:rPr lang="en-US" smtClean="0"/>
-              <a:t>7/13/2023</a:t>
+              <a:t>7/24/2023</a:t>
             </a:fld>
             <a:endParaRPr lang="en-US"/>
           </a:p>
@@ -1810,7 +1816,7 @@
           <a:p>
             <a:fld id="{584E785A-4B92-4669-BA48-10B4A554473E}" type="datetimeFigureOut">
               <a:rPr lang="en-US" smtClean="0"/>
-              <a:t>7/13/2023</a:t>
+              <a:t>7/24/2023</a:t>
             </a:fld>
             <a:endParaRPr lang="en-US"/>
           </a:p>
@@ -1951,7 +1957,7 @@
           <a:p>
             <a:fld id="{584E785A-4B92-4669-BA48-10B4A554473E}" type="datetimeFigureOut">
               <a:rPr lang="en-US" smtClean="0"/>
-              <a:t>7/13/2023</a:t>
+              <a:t>7/24/2023</a:t>
             </a:fld>
             <a:endParaRPr lang="en-US"/>
           </a:p>
@@ -2064,7 +2070,7 @@
           <a:p>
             <a:fld id="{584E785A-4B92-4669-BA48-10B4A554473E}" type="datetimeFigureOut">
               <a:rPr lang="en-US" smtClean="0"/>
-              <a:t>7/13/2023</a:t>
+              <a:t>7/24/2023</a:t>
             </a:fld>
             <a:endParaRPr lang="en-US"/>
           </a:p>
@@ -2375,7 +2381,7 @@
           <a:p>
             <a:fld id="{584E785A-4B92-4669-BA48-10B4A554473E}" type="datetimeFigureOut">
               <a:rPr lang="en-US" smtClean="0"/>
-              <a:t>7/13/2023</a:t>
+              <a:t>7/24/2023</a:t>
             </a:fld>
             <a:endParaRPr lang="en-US"/>
           </a:p>
@@ -2663,7 +2669,7 @@
           <a:p>
             <a:fld id="{584E785A-4B92-4669-BA48-10B4A554473E}" type="datetimeFigureOut">
               <a:rPr lang="en-US" smtClean="0"/>
-              <a:t>7/13/2023</a:t>
+              <a:t>7/24/2023</a:t>
             </a:fld>
             <a:endParaRPr lang="en-US"/>
           </a:p>
@@ -2904,7 +2910,7 @@
           <a:p>
             <a:fld id="{584E785A-4B92-4669-BA48-10B4A554473E}" type="datetimeFigureOut">
               <a:rPr lang="en-US" smtClean="0"/>
-              <a:t>7/13/2023</a:t>
+              <a:t>7/24/2023</a:t>
             </a:fld>
             <a:endParaRPr lang="en-US"/>
           </a:p>
@@ -3861,10 +3867,963 @@
           </a:p>
         </p:txBody>
       </p:sp>
+      <p:sp>
+        <p:nvSpPr>
+          <p:cNvPr id="2" name="TextBox 1">
+            <a:extLst>
+              <a:ext uri="{FF2B5EF4-FFF2-40B4-BE49-F238E27FC236}">
+                <a16:creationId xmlns:a16="http://schemas.microsoft.com/office/drawing/2014/main" id="{9EB25C17-9EAD-7FBC-1FF7-A83377A25012}"/>
+              </a:ext>
+            </a:extLst>
+          </p:cNvPr>
+          <p:cNvSpPr txBox="1"/>
+          <p:nvPr/>
+        </p:nvSpPr>
+        <p:spPr>
+          <a:xfrm>
+            <a:off x="388675" y="350612"/>
+            <a:ext cx="2174340" cy="369332"/>
+          </a:xfrm>
+          <a:prstGeom prst="rect">
+            <a:avLst/>
+          </a:prstGeom>
+          <a:noFill/>
+        </p:spPr>
+        <p:txBody>
+          <a:bodyPr wrap="square" rtlCol="0">
+            <a:spAutoFit/>
+          </a:bodyPr>
+          <a:lstStyle/>
+          <a:p>
+            <a:r>
+              <a:rPr lang="en-US" dirty="0"/>
+              <a:t>Basic Model</a:t>
+            </a:r>
+          </a:p>
+        </p:txBody>
+      </p:sp>
     </p:spTree>
     <p:extLst>
       <p:ext uri="{BB962C8B-B14F-4D97-AF65-F5344CB8AC3E}">
         <p14:creationId xmlns:p14="http://schemas.microsoft.com/office/powerpoint/2010/main" val="2116122172"/>
+      </p:ext>
+    </p:extLst>
+  </p:cSld>
+  <p:clrMapOvr>
+    <a:masterClrMapping/>
+  </p:clrMapOvr>
+</p:sld>
+</file>
+
+<file path=ppt/slides/slide2.xml><?xml version="1.0" encoding="utf-8"?>
+<p:sld xmlns:a="http://schemas.openxmlformats.org/drawingml/2006/main" xmlns:r="http://schemas.openxmlformats.org/officeDocument/2006/relationships" xmlns:p="http://schemas.openxmlformats.org/presentationml/2006/main">
+  <p:cSld>
+    <p:spTree>
+      <p:nvGrpSpPr>
+        <p:cNvPr id="1" name=""/>
+        <p:cNvGrpSpPr/>
+        <p:nvPr/>
+      </p:nvGrpSpPr>
+      <p:grpSpPr>
+        <a:xfrm>
+          <a:off x="0" y="0"/>
+          <a:ext cx="0" cy="0"/>
+          <a:chOff x="0" y="0"/>
+          <a:chExt cx="0" cy="0"/>
+        </a:xfrm>
+      </p:grpSpPr>
+      <p:sp>
+        <p:nvSpPr>
+          <p:cNvPr id="4" name="Rectangle: Rounded Corners 3">
+            <a:extLst>
+              <a:ext uri="{FF2B5EF4-FFF2-40B4-BE49-F238E27FC236}">
+                <a16:creationId xmlns:a16="http://schemas.microsoft.com/office/drawing/2014/main" id="{7E8FA8D8-2A0A-5D7D-7400-59970ADA0EC4}"/>
+              </a:ext>
+            </a:extLst>
+          </p:cNvPr>
+          <p:cNvSpPr/>
+          <p:nvPr/>
+        </p:nvSpPr>
+        <p:spPr>
+          <a:xfrm>
+            <a:off x="2861196" y="1251812"/>
+            <a:ext cx="1750978" cy="972766"/>
+          </a:xfrm>
+          <a:prstGeom prst="roundRect">
+            <a:avLst/>
+          </a:prstGeom>
+        </p:spPr>
+        <p:style>
+          <a:lnRef idx="2">
+            <a:schemeClr val="accent1">
+              <a:shade val="15000"/>
+            </a:schemeClr>
+          </a:lnRef>
+          <a:fillRef idx="1">
+            <a:schemeClr val="accent1"/>
+          </a:fillRef>
+          <a:effectRef idx="0">
+            <a:schemeClr val="accent1"/>
+          </a:effectRef>
+          <a:fontRef idx="minor">
+            <a:schemeClr val="lt1"/>
+          </a:fontRef>
+        </p:style>
+        <p:txBody>
+          <a:bodyPr rtlCol="0" anchor="ctr"/>
+          <a:lstStyle/>
+          <a:p>
+            <a:pPr algn="ctr"/>
+            <a:r>
+              <a:rPr lang="en-US" dirty="0"/>
+              <a:t>Band data</a:t>
+            </a:r>
+          </a:p>
+        </p:txBody>
+      </p:sp>
+      <p:sp>
+        <p:nvSpPr>
+          <p:cNvPr id="5" name="Rectangle: Rounded Corners 4">
+            <a:extLst>
+              <a:ext uri="{FF2B5EF4-FFF2-40B4-BE49-F238E27FC236}">
+                <a16:creationId xmlns:a16="http://schemas.microsoft.com/office/drawing/2014/main" id="{95A36734-8C1E-7EBE-DA51-2A02DDCE5C55}"/>
+              </a:ext>
+            </a:extLst>
+          </p:cNvPr>
+          <p:cNvSpPr/>
+          <p:nvPr/>
+        </p:nvSpPr>
+        <p:spPr>
+          <a:xfrm>
+            <a:off x="5296191" y="1196502"/>
+            <a:ext cx="1750978" cy="972766"/>
+          </a:xfrm>
+          <a:prstGeom prst="roundRect">
+            <a:avLst/>
+          </a:prstGeom>
+        </p:spPr>
+        <p:style>
+          <a:lnRef idx="2">
+            <a:schemeClr val="accent1">
+              <a:shade val="15000"/>
+            </a:schemeClr>
+          </a:lnRef>
+          <a:fillRef idx="1">
+            <a:schemeClr val="accent1"/>
+          </a:fillRef>
+          <a:effectRef idx="0">
+            <a:schemeClr val="accent1"/>
+          </a:effectRef>
+          <a:fontRef idx="minor">
+            <a:schemeClr val="lt1"/>
+          </a:fontRef>
+        </p:style>
+        <p:txBody>
+          <a:bodyPr rtlCol="0" anchor="ctr"/>
+          <a:lstStyle/>
+          <a:p>
+            <a:pPr algn="ctr"/>
+            <a:r>
+              <a:rPr lang="en-US" dirty="0"/>
+              <a:t>WQI</a:t>
+            </a:r>
+          </a:p>
+        </p:txBody>
+      </p:sp>
+      <p:sp>
+        <p:nvSpPr>
+          <p:cNvPr id="6" name="Rectangle: Rounded Corners 5">
+            <a:extLst>
+              <a:ext uri="{FF2B5EF4-FFF2-40B4-BE49-F238E27FC236}">
+                <a16:creationId xmlns:a16="http://schemas.microsoft.com/office/drawing/2014/main" id="{A1AEF9FB-0EF7-6311-A2DF-1941CE824F16}"/>
+              </a:ext>
+            </a:extLst>
+          </p:cNvPr>
+          <p:cNvSpPr/>
+          <p:nvPr/>
+        </p:nvSpPr>
+        <p:spPr>
+          <a:xfrm>
+            <a:off x="8367960" y="350612"/>
+            <a:ext cx="1750978" cy="972766"/>
+          </a:xfrm>
+          <a:prstGeom prst="roundRect">
+            <a:avLst/>
+          </a:prstGeom>
+        </p:spPr>
+        <p:style>
+          <a:lnRef idx="2">
+            <a:schemeClr val="accent1">
+              <a:shade val="15000"/>
+            </a:schemeClr>
+          </a:lnRef>
+          <a:fillRef idx="1">
+            <a:schemeClr val="accent1"/>
+          </a:fillRef>
+          <a:effectRef idx="0">
+            <a:schemeClr val="accent1"/>
+          </a:effectRef>
+          <a:fontRef idx="minor">
+            <a:schemeClr val="lt1"/>
+          </a:fontRef>
+        </p:style>
+        <p:txBody>
+          <a:bodyPr rtlCol="0" anchor="ctr"/>
+          <a:lstStyle/>
+          <a:p>
+            <a:pPr algn="ctr"/>
+            <a:r>
+              <a:rPr lang="en-US" dirty="0"/>
+              <a:t>GT(</a:t>
+            </a:r>
+            <a:r>
+              <a:rPr lang="en-US" dirty="0" err="1"/>
+              <a:t>pH,Sal,Am</a:t>
+            </a:r>
+            <a:r>
+              <a:rPr lang="en-US" dirty="0"/>
+              <a:t>)</a:t>
+            </a:r>
+          </a:p>
+        </p:txBody>
+      </p:sp>
+      <p:sp>
+        <p:nvSpPr>
+          <p:cNvPr id="7" name="Rectangle: Rounded Corners 6">
+            <a:extLst>
+              <a:ext uri="{FF2B5EF4-FFF2-40B4-BE49-F238E27FC236}">
+                <a16:creationId xmlns:a16="http://schemas.microsoft.com/office/drawing/2014/main" id="{22502B80-F8DD-7E4C-E94B-0D11B4DC99AB}"/>
+              </a:ext>
+            </a:extLst>
+          </p:cNvPr>
+          <p:cNvSpPr/>
+          <p:nvPr/>
+        </p:nvSpPr>
+        <p:spPr>
+          <a:xfrm>
+            <a:off x="8841996" y="3517287"/>
+            <a:ext cx="1881191" cy="891102"/>
+          </a:xfrm>
+          <a:prstGeom prst="roundRect">
+            <a:avLst/>
+          </a:prstGeom>
+        </p:spPr>
+        <p:style>
+          <a:lnRef idx="2">
+            <a:schemeClr val="accent1">
+              <a:shade val="15000"/>
+            </a:schemeClr>
+          </a:lnRef>
+          <a:fillRef idx="1">
+            <a:schemeClr val="accent1"/>
+          </a:fillRef>
+          <a:effectRef idx="0">
+            <a:schemeClr val="accent1"/>
+          </a:effectRef>
+          <a:fontRef idx="minor">
+            <a:schemeClr val="lt1"/>
+          </a:fontRef>
+        </p:style>
+        <p:txBody>
+          <a:bodyPr rtlCol="0" anchor="ctr"/>
+          <a:lstStyle/>
+          <a:p>
+            <a:pPr algn="ctr"/>
+            <a:r>
+              <a:rPr lang="en-US" dirty="0"/>
+              <a:t>Predicted GT(</a:t>
+            </a:r>
+            <a:r>
+              <a:rPr lang="en-US" dirty="0" err="1"/>
+              <a:t>pH,Sal,Am</a:t>
+            </a:r>
+            <a:r>
+              <a:rPr lang="en-US" dirty="0"/>
+              <a:t>)</a:t>
+            </a:r>
+          </a:p>
+          <a:p>
+            <a:pPr algn="ctr"/>
+            <a:r>
+              <a:rPr lang="en-US" dirty="0"/>
+              <a:t>Based on Linear regression(atm)</a:t>
+            </a:r>
+          </a:p>
+          <a:p>
+            <a:pPr algn="ctr"/>
+            <a:endParaRPr lang="en-US" dirty="0"/>
+          </a:p>
+        </p:txBody>
+      </p:sp>
+      <p:sp>
+        <p:nvSpPr>
+          <p:cNvPr id="8" name="Rectangle: Rounded Corners 7">
+            <a:extLst>
+              <a:ext uri="{FF2B5EF4-FFF2-40B4-BE49-F238E27FC236}">
+                <a16:creationId xmlns:a16="http://schemas.microsoft.com/office/drawing/2014/main" id="{8B74622B-A59C-F06A-FD23-E5AC0DF488C1}"/>
+              </a:ext>
+            </a:extLst>
+          </p:cNvPr>
+          <p:cNvSpPr/>
+          <p:nvPr/>
+        </p:nvSpPr>
+        <p:spPr>
+          <a:xfrm>
+            <a:off x="3191775" y="3336900"/>
+            <a:ext cx="2979905" cy="1251878"/>
+          </a:xfrm>
+          <a:prstGeom prst="roundRect">
+            <a:avLst/>
+          </a:prstGeom>
+        </p:spPr>
+        <p:style>
+          <a:lnRef idx="2">
+            <a:schemeClr val="accent1">
+              <a:shade val="15000"/>
+            </a:schemeClr>
+          </a:lnRef>
+          <a:fillRef idx="1">
+            <a:schemeClr val="accent1"/>
+          </a:fillRef>
+          <a:effectRef idx="0">
+            <a:schemeClr val="accent1"/>
+          </a:effectRef>
+          <a:fontRef idx="minor">
+            <a:schemeClr val="lt1"/>
+          </a:fontRef>
+        </p:style>
+        <p:txBody>
+          <a:bodyPr rtlCol="0" anchor="ctr"/>
+          <a:lstStyle/>
+          <a:p>
+            <a:pPr algn="ctr"/>
+            <a:r>
+              <a:rPr lang="en-US" dirty="0"/>
+              <a:t>Predicted WQI</a:t>
+            </a:r>
+          </a:p>
+          <a:p>
+            <a:pPr algn="ctr"/>
+            <a:r>
+              <a:rPr lang="en-US" dirty="0"/>
+              <a:t>Predicted using SVR</a:t>
+            </a:r>
+          </a:p>
+        </p:txBody>
+      </p:sp>
+      <p:cxnSp>
+        <p:nvCxnSpPr>
+          <p:cNvPr id="11" name="Straight Arrow Connector 10">
+            <a:extLst>
+              <a:ext uri="{FF2B5EF4-FFF2-40B4-BE49-F238E27FC236}">
+                <a16:creationId xmlns:a16="http://schemas.microsoft.com/office/drawing/2014/main" id="{D2B4F0D2-2870-C63D-3090-FECAD0402176}"/>
+              </a:ext>
+            </a:extLst>
+          </p:cNvPr>
+          <p:cNvCxnSpPr>
+            <a:cxnSpLocks/>
+            <a:stCxn id="6" idx="1"/>
+            <a:endCxn id="5" idx="3"/>
+          </p:cNvCxnSpPr>
+          <p:nvPr/>
+        </p:nvCxnSpPr>
+        <p:spPr>
+          <a:xfrm flipH="1">
+            <a:off x="7047169" y="836995"/>
+            <a:ext cx="1320791" cy="845890"/>
+          </a:xfrm>
+          <a:prstGeom prst="straightConnector1">
+            <a:avLst/>
+          </a:prstGeom>
+          <a:ln>
+            <a:tailEnd type="triangle"/>
+          </a:ln>
+        </p:spPr>
+        <p:style>
+          <a:lnRef idx="1">
+            <a:schemeClr val="accent1"/>
+          </a:lnRef>
+          <a:fillRef idx="0">
+            <a:schemeClr val="accent1"/>
+          </a:fillRef>
+          <a:effectRef idx="0">
+            <a:schemeClr val="accent1"/>
+          </a:effectRef>
+          <a:fontRef idx="minor">
+            <a:schemeClr val="tx1"/>
+          </a:fontRef>
+        </p:style>
+      </p:cxnSp>
+      <p:cxnSp>
+        <p:nvCxnSpPr>
+          <p:cNvPr id="12" name="Straight Arrow Connector 11">
+            <a:extLst>
+              <a:ext uri="{FF2B5EF4-FFF2-40B4-BE49-F238E27FC236}">
+                <a16:creationId xmlns:a16="http://schemas.microsoft.com/office/drawing/2014/main" id="{C24F58EC-A0A2-EEDC-E49D-068A4F295860}"/>
+              </a:ext>
+            </a:extLst>
+          </p:cNvPr>
+          <p:cNvCxnSpPr>
+            <a:cxnSpLocks/>
+            <a:stCxn id="5" idx="2"/>
+            <a:endCxn id="8" idx="0"/>
+          </p:cNvCxnSpPr>
+          <p:nvPr/>
+        </p:nvCxnSpPr>
+        <p:spPr>
+          <a:xfrm flipH="1">
+            <a:off x="4681728" y="2169268"/>
+            <a:ext cx="1489952" cy="1167632"/>
+          </a:xfrm>
+          <a:prstGeom prst="straightConnector1">
+            <a:avLst/>
+          </a:prstGeom>
+          <a:ln>
+            <a:tailEnd type="triangle"/>
+          </a:ln>
+        </p:spPr>
+        <p:style>
+          <a:lnRef idx="1">
+            <a:schemeClr val="accent1"/>
+          </a:lnRef>
+          <a:fillRef idx="0">
+            <a:schemeClr val="accent1"/>
+          </a:fillRef>
+          <a:effectRef idx="0">
+            <a:schemeClr val="accent1"/>
+          </a:effectRef>
+          <a:fontRef idx="minor">
+            <a:schemeClr val="tx1"/>
+          </a:fontRef>
+        </p:style>
+      </p:cxnSp>
+      <p:cxnSp>
+        <p:nvCxnSpPr>
+          <p:cNvPr id="16" name="Straight Arrow Connector 15">
+            <a:extLst>
+              <a:ext uri="{FF2B5EF4-FFF2-40B4-BE49-F238E27FC236}">
+                <a16:creationId xmlns:a16="http://schemas.microsoft.com/office/drawing/2014/main" id="{5FEB787F-CAE0-9F44-D402-24327E58672E}"/>
+              </a:ext>
+            </a:extLst>
+          </p:cNvPr>
+          <p:cNvCxnSpPr>
+            <a:cxnSpLocks/>
+            <a:stCxn id="4" idx="2"/>
+            <a:endCxn id="8" idx="0"/>
+          </p:cNvCxnSpPr>
+          <p:nvPr/>
+        </p:nvCxnSpPr>
+        <p:spPr>
+          <a:xfrm>
+            <a:off x="3736685" y="2224578"/>
+            <a:ext cx="945043" cy="1112322"/>
+          </a:xfrm>
+          <a:prstGeom prst="straightConnector1">
+            <a:avLst/>
+          </a:prstGeom>
+          <a:ln>
+            <a:tailEnd type="triangle"/>
+          </a:ln>
+        </p:spPr>
+        <p:style>
+          <a:lnRef idx="1">
+            <a:schemeClr val="accent1"/>
+          </a:lnRef>
+          <a:fillRef idx="0">
+            <a:schemeClr val="accent1"/>
+          </a:fillRef>
+          <a:effectRef idx="0">
+            <a:schemeClr val="accent1"/>
+          </a:effectRef>
+          <a:fontRef idx="minor">
+            <a:schemeClr val="tx1"/>
+          </a:fontRef>
+        </p:style>
+      </p:cxnSp>
+      <p:cxnSp>
+        <p:nvCxnSpPr>
+          <p:cNvPr id="19" name="Straight Arrow Connector 18">
+            <a:extLst>
+              <a:ext uri="{FF2B5EF4-FFF2-40B4-BE49-F238E27FC236}">
+                <a16:creationId xmlns:a16="http://schemas.microsoft.com/office/drawing/2014/main" id="{F7444D10-4355-E8AF-8105-F9B9FEFDF812}"/>
+              </a:ext>
+            </a:extLst>
+          </p:cNvPr>
+          <p:cNvCxnSpPr>
+            <a:cxnSpLocks/>
+            <a:stCxn id="8" idx="3"/>
+            <a:endCxn id="7" idx="1"/>
+          </p:cNvCxnSpPr>
+          <p:nvPr/>
+        </p:nvCxnSpPr>
+        <p:spPr>
+          <a:xfrm flipV="1">
+            <a:off x="6171680" y="3962838"/>
+            <a:ext cx="2670316" cy="1"/>
+          </a:xfrm>
+          <a:prstGeom prst="straightConnector1">
+            <a:avLst/>
+          </a:prstGeom>
+          <a:ln>
+            <a:tailEnd type="triangle"/>
+          </a:ln>
+        </p:spPr>
+        <p:style>
+          <a:lnRef idx="1">
+            <a:schemeClr val="accent1"/>
+          </a:lnRef>
+          <a:fillRef idx="0">
+            <a:schemeClr val="accent1"/>
+          </a:fillRef>
+          <a:effectRef idx="0">
+            <a:schemeClr val="accent1"/>
+          </a:effectRef>
+          <a:fontRef idx="minor">
+            <a:schemeClr val="tx1"/>
+          </a:fontRef>
+        </p:style>
+      </p:cxnSp>
+      <p:sp>
+        <p:nvSpPr>
+          <p:cNvPr id="2" name="TextBox 1">
+            <a:extLst>
+              <a:ext uri="{FF2B5EF4-FFF2-40B4-BE49-F238E27FC236}">
+                <a16:creationId xmlns:a16="http://schemas.microsoft.com/office/drawing/2014/main" id="{A9623180-96A9-85D7-84AA-2A1EDA3053AB}"/>
+              </a:ext>
+            </a:extLst>
+          </p:cNvPr>
+          <p:cNvSpPr txBox="1"/>
+          <p:nvPr/>
+        </p:nvSpPr>
+        <p:spPr>
+          <a:xfrm>
+            <a:off x="541075" y="503012"/>
+            <a:ext cx="2174340" cy="369332"/>
+          </a:xfrm>
+          <a:prstGeom prst="rect">
+            <a:avLst/>
+          </a:prstGeom>
+          <a:noFill/>
+        </p:spPr>
+        <p:txBody>
+          <a:bodyPr wrap="square" rtlCol="0">
+            <a:spAutoFit/>
+          </a:bodyPr>
+          <a:lstStyle/>
+          <a:p>
+            <a:r>
+              <a:rPr lang="en-US" dirty="0"/>
+              <a:t>Updated Model</a:t>
+            </a:r>
+          </a:p>
+        </p:txBody>
+      </p:sp>
+      <p:sp>
+        <p:nvSpPr>
+          <p:cNvPr id="23" name="Rectangle: Rounded Corners 22">
+            <a:extLst>
+              <a:ext uri="{FF2B5EF4-FFF2-40B4-BE49-F238E27FC236}">
+                <a16:creationId xmlns:a16="http://schemas.microsoft.com/office/drawing/2014/main" id="{F74E8CBE-B684-B582-992C-323B6411BC18}"/>
+              </a:ext>
+            </a:extLst>
+          </p:cNvPr>
+          <p:cNvSpPr/>
+          <p:nvPr/>
+        </p:nvSpPr>
+        <p:spPr>
+          <a:xfrm>
+            <a:off x="1371244" y="5351656"/>
+            <a:ext cx="2979905" cy="1251878"/>
+          </a:xfrm>
+          <a:prstGeom prst="roundRect">
+            <a:avLst/>
+          </a:prstGeom>
+        </p:spPr>
+        <p:style>
+          <a:lnRef idx="2">
+            <a:schemeClr val="accent1">
+              <a:shade val="15000"/>
+            </a:schemeClr>
+          </a:lnRef>
+          <a:fillRef idx="1">
+            <a:schemeClr val="accent1"/>
+          </a:fillRef>
+          <a:effectRef idx="0">
+            <a:schemeClr val="accent1"/>
+          </a:effectRef>
+          <a:fontRef idx="minor">
+            <a:schemeClr val="lt1"/>
+          </a:fontRef>
+        </p:style>
+        <p:txBody>
+          <a:bodyPr rtlCol="0" anchor="ctr"/>
+          <a:lstStyle/>
+          <a:p>
+            <a:pPr algn="ctr"/>
+            <a:r>
+              <a:rPr lang="en-US" dirty="0"/>
+              <a:t>Hyper Parameter tuning, Different model  testing</a:t>
+            </a:r>
+          </a:p>
+        </p:txBody>
+      </p:sp>
+      <p:cxnSp>
+        <p:nvCxnSpPr>
+          <p:cNvPr id="25" name="Straight Arrow Connector 24">
+            <a:extLst>
+              <a:ext uri="{FF2B5EF4-FFF2-40B4-BE49-F238E27FC236}">
+                <a16:creationId xmlns:a16="http://schemas.microsoft.com/office/drawing/2014/main" id="{0DAAF258-CBA5-E047-A619-00F6F1AFE41E}"/>
+              </a:ext>
+            </a:extLst>
+          </p:cNvPr>
+          <p:cNvCxnSpPr>
+            <a:cxnSpLocks/>
+            <a:stCxn id="23" idx="0"/>
+            <a:endCxn id="8" idx="2"/>
+          </p:cNvCxnSpPr>
+          <p:nvPr/>
+        </p:nvCxnSpPr>
+        <p:spPr>
+          <a:xfrm flipV="1">
+            <a:off x="2861197" y="4588778"/>
+            <a:ext cx="1820531" cy="762878"/>
+          </a:xfrm>
+          <a:prstGeom prst="straightConnector1">
+            <a:avLst/>
+          </a:prstGeom>
+          <a:ln>
+            <a:tailEnd type="triangle"/>
+          </a:ln>
+        </p:spPr>
+        <p:style>
+          <a:lnRef idx="1">
+            <a:schemeClr val="accent1"/>
+          </a:lnRef>
+          <a:fillRef idx="0">
+            <a:schemeClr val="accent1"/>
+          </a:fillRef>
+          <a:effectRef idx="0">
+            <a:schemeClr val="accent1"/>
+          </a:effectRef>
+          <a:fontRef idx="minor">
+            <a:schemeClr val="tx1"/>
+          </a:fontRef>
+        </p:style>
+      </p:cxnSp>
+      <p:sp>
+        <p:nvSpPr>
+          <p:cNvPr id="30" name="Rectangle: Rounded Corners 29">
+            <a:extLst>
+              <a:ext uri="{FF2B5EF4-FFF2-40B4-BE49-F238E27FC236}">
+                <a16:creationId xmlns:a16="http://schemas.microsoft.com/office/drawing/2014/main" id="{FC2E1E2B-FFDB-475C-0D31-72D6EC811587}"/>
+              </a:ext>
+            </a:extLst>
+          </p:cNvPr>
+          <p:cNvSpPr/>
+          <p:nvPr/>
+        </p:nvSpPr>
+        <p:spPr>
+          <a:xfrm>
+            <a:off x="400019" y="2403932"/>
+            <a:ext cx="1750978" cy="972766"/>
+          </a:xfrm>
+          <a:prstGeom prst="roundRect">
+            <a:avLst/>
+          </a:prstGeom>
+        </p:spPr>
+        <p:style>
+          <a:lnRef idx="2">
+            <a:schemeClr val="accent1">
+              <a:shade val="15000"/>
+            </a:schemeClr>
+          </a:lnRef>
+          <a:fillRef idx="1">
+            <a:schemeClr val="accent1"/>
+          </a:fillRef>
+          <a:effectRef idx="0">
+            <a:schemeClr val="accent1"/>
+          </a:effectRef>
+          <a:fontRef idx="minor">
+            <a:schemeClr val="lt1"/>
+          </a:fontRef>
+        </p:style>
+        <p:txBody>
+          <a:bodyPr rtlCol="0" anchor="ctr"/>
+          <a:lstStyle/>
+          <a:p>
+            <a:pPr algn="ctr"/>
+            <a:r>
+              <a:rPr lang="en-US" dirty="0"/>
+              <a:t>Indices(NDVI, AWEI)</a:t>
+            </a:r>
+          </a:p>
+        </p:txBody>
+      </p:sp>
+      <p:cxnSp>
+        <p:nvCxnSpPr>
+          <p:cNvPr id="31" name="Straight Arrow Connector 30">
+            <a:extLst>
+              <a:ext uri="{FF2B5EF4-FFF2-40B4-BE49-F238E27FC236}">
+                <a16:creationId xmlns:a16="http://schemas.microsoft.com/office/drawing/2014/main" id="{8E871026-3FF6-263F-3CB8-B844B8168C37}"/>
+              </a:ext>
+            </a:extLst>
+          </p:cNvPr>
+          <p:cNvCxnSpPr>
+            <a:cxnSpLocks/>
+            <a:stCxn id="4" idx="1"/>
+            <a:endCxn id="30" idx="0"/>
+          </p:cNvCxnSpPr>
+          <p:nvPr/>
+        </p:nvCxnSpPr>
+        <p:spPr>
+          <a:xfrm flipH="1">
+            <a:off x="1275508" y="1738195"/>
+            <a:ext cx="1585688" cy="665737"/>
+          </a:xfrm>
+          <a:prstGeom prst="straightConnector1">
+            <a:avLst/>
+          </a:prstGeom>
+          <a:ln>
+            <a:tailEnd type="triangle"/>
+          </a:ln>
+        </p:spPr>
+        <p:style>
+          <a:lnRef idx="1">
+            <a:schemeClr val="accent1"/>
+          </a:lnRef>
+          <a:fillRef idx="0">
+            <a:schemeClr val="accent1"/>
+          </a:fillRef>
+          <a:effectRef idx="0">
+            <a:schemeClr val="accent1"/>
+          </a:effectRef>
+          <a:fontRef idx="minor">
+            <a:schemeClr val="tx1"/>
+          </a:fontRef>
+        </p:style>
+      </p:cxnSp>
+      <p:cxnSp>
+        <p:nvCxnSpPr>
+          <p:cNvPr id="35" name="Connector: Elbow 34">
+            <a:extLst>
+              <a:ext uri="{FF2B5EF4-FFF2-40B4-BE49-F238E27FC236}">
+                <a16:creationId xmlns:a16="http://schemas.microsoft.com/office/drawing/2014/main" id="{737B782A-3C7E-C02E-1BF5-4DA976BC3807}"/>
+              </a:ext>
+            </a:extLst>
+          </p:cNvPr>
+          <p:cNvCxnSpPr>
+            <a:cxnSpLocks/>
+            <a:stCxn id="30" idx="2"/>
+            <a:endCxn id="8" idx="1"/>
+          </p:cNvCxnSpPr>
+          <p:nvPr/>
+        </p:nvCxnSpPr>
+        <p:spPr>
+          <a:xfrm rot="16200000" flipH="1">
+            <a:off x="1940571" y="2711634"/>
+            <a:ext cx="586141" cy="1916267"/>
+          </a:xfrm>
+          <a:prstGeom prst="bentConnector2">
+            <a:avLst/>
+          </a:prstGeom>
+          <a:ln>
+            <a:tailEnd type="triangle"/>
+          </a:ln>
+        </p:spPr>
+        <p:style>
+          <a:lnRef idx="1">
+            <a:schemeClr val="accent1"/>
+          </a:lnRef>
+          <a:fillRef idx="0">
+            <a:schemeClr val="accent1"/>
+          </a:fillRef>
+          <a:effectRef idx="0">
+            <a:schemeClr val="accent1"/>
+          </a:effectRef>
+          <a:fontRef idx="minor">
+            <a:schemeClr val="tx1"/>
+          </a:fontRef>
+        </p:style>
+      </p:cxnSp>
+      <p:sp>
+        <p:nvSpPr>
+          <p:cNvPr id="42" name="TextBox 41">
+            <a:extLst>
+              <a:ext uri="{FF2B5EF4-FFF2-40B4-BE49-F238E27FC236}">
+                <a16:creationId xmlns:a16="http://schemas.microsoft.com/office/drawing/2014/main" id="{E362692E-FCAC-7FF5-7C91-02D0055E41A9}"/>
+              </a:ext>
+            </a:extLst>
+          </p:cNvPr>
+          <p:cNvSpPr txBox="1"/>
+          <p:nvPr/>
+        </p:nvSpPr>
+        <p:spPr>
+          <a:xfrm>
+            <a:off x="5825921" y="2318152"/>
+            <a:ext cx="2581604" cy="954107"/>
+          </a:xfrm>
+          <a:prstGeom prst="rect">
+            <a:avLst/>
+          </a:prstGeom>
+          <a:noFill/>
+        </p:spPr>
+        <p:txBody>
+          <a:bodyPr wrap="none" rtlCol="0">
+            <a:spAutoFit/>
+          </a:bodyPr>
+          <a:lstStyle/>
+          <a:p>
+            <a:r>
+              <a:rPr lang="en-US" sz="1400" dirty="0"/>
+              <a:t>Normalization</a:t>
+            </a:r>
+          </a:p>
+          <a:p>
+            <a:r>
+              <a:rPr lang="en-US" sz="1400" dirty="0"/>
+              <a:t>(giving better result because </a:t>
+            </a:r>
+          </a:p>
+          <a:p>
+            <a:r>
+              <a:rPr lang="en-US" sz="1400" dirty="0"/>
+              <a:t>of same</a:t>
+            </a:r>
+          </a:p>
+          <a:p>
+            <a:r>
+              <a:rPr lang="en-US" sz="1400" dirty="0"/>
+              <a:t> range as normalized band input)</a:t>
+            </a:r>
+          </a:p>
+        </p:txBody>
+      </p:sp>
+      <p:sp>
+        <p:nvSpPr>
+          <p:cNvPr id="47" name="TextBox 46">
+            <a:extLst>
+              <a:ext uri="{FF2B5EF4-FFF2-40B4-BE49-F238E27FC236}">
+                <a16:creationId xmlns:a16="http://schemas.microsoft.com/office/drawing/2014/main" id="{1B2BDAAF-06A8-EAC1-6B8C-0E5041176505}"/>
+              </a:ext>
+            </a:extLst>
+          </p:cNvPr>
+          <p:cNvSpPr txBox="1"/>
+          <p:nvPr/>
+        </p:nvSpPr>
+        <p:spPr>
+          <a:xfrm>
+            <a:off x="6647426" y="4031725"/>
+            <a:ext cx="1924373" cy="523220"/>
+          </a:xfrm>
+          <a:prstGeom prst="rect">
+            <a:avLst/>
+          </a:prstGeom>
+          <a:noFill/>
+        </p:spPr>
+        <p:txBody>
+          <a:bodyPr wrap="none" rtlCol="0">
+            <a:spAutoFit/>
+          </a:bodyPr>
+          <a:lstStyle/>
+          <a:p>
+            <a:r>
+              <a:rPr lang="en-US" sz="1400" dirty="0"/>
+              <a:t>Normalized WQI output</a:t>
+            </a:r>
+          </a:p>
+          <a:p>
+            <a:endParaRPr lang="en-US" sz="1400" dirty="0"/>
+          </a:p>
+        </p:txBody>
+      </p:sp>
+      <p:sp>
+        <p:nvSpPr>
+          <p:cNvPr id="48" name="TextBox 47">
+            <a:extLst>
+              <a:ext uri="{FF2B5EF4-FFF2-40B4-BE49-F238E27FC236}">
+                <a16:creationId xmlns:a16="http://schemas.microsoft.com/office/drawing/2014/main" id="{94AC7825-F89E-B3BC-46FA-2EBA199BB0EE}"/>
+              </a:ext>
+            </a:extLst>
+          </p:cNvPr>
+          <p:cNvSpPr txBox="1"/>
+          <p:nvPr/>
+        </p:nvSpPr>
+        <p:spPr>
+          <a:xfrm>
+            <a:off x="3806239" y="2987456"/>
+            <a:ext cx="1892954" cy="523220"/>
+          </a:xfrm>
+          <a:prstGeom prst="rect">
+            <a:avLst/>
+          </a:prstGeom>
+          <a:noFill/>
+        </p:spPr>
+        <p:txBody>
+          <a:bodyPr wrap="none" rtlCol="0">
+            <a:spAutoFit/>
+          </a:bodyPr>
+          <a:lstStyle/>
+          <a:p>
+            <a:r>
+              <a:rPr lang="en-US" sz="1400" dirty="0"/>
+              <a:t>Random test/train split</a:t>
+            </a:r>
+          </a:p>
+          <a:p>
+            <a:endParaRPr lang="en-US" sz="1400" dirty="0"/>
+          </a:p>
+        </p:txBody>
+      </p:sp>
+      <p:sp>
+        <p:nvSpPr>
+          <p:cNvPr id="49" name="TextBox 48">
+            <a:extLst>
+              <a:ext uri="{FF2B5EF4-FFF2-40B4-BE49-F238E27FC236}">
+                <a16:creationId xmlns:a16="http://schemas.microsoft.com/office/drawing/2014/main" id="{70F57FE2-AF47-191B-975E-6647BC4295CC}"/>
+              </a:ext>
+            </a:extLst>
+          </p:cNvPr>
+          <p:cNvSpPr txBox="1"/>
+          <p:nvPr/>
+        </p:nvSpPr>
+        <p:spPr>
+          <a:xfrm>
+            <a:off x="8841996" y="4446396"/>
+            <a:ext cx="2634247" cy="523220"/>
+          </a:xfrm>
+          <a:prstGeom prst="rect">
+            <a:avLst/>
+          </a:prstGeom>
+          <a:noFill/>
+        </p:spPr>
+        <p:txBody>
+          <a:bodyPr wrap="none" rtlCol="0">
+            <a:spAutoFit/>
+          </a:bodyPr>
+          <a:lstStyle/>
+          <a:p>
+            <a:r>
+              <a:rPr lang="en-US" sz="1400" dirty="0"/>
+              <a:t>Leave one </a:t>
+            </a:r>
+            <a:r>
+              <a:rPr lang="en-US" sz="1400" dirty="0" err="1"/>
+              <a:t>dateout</a:t>
+            </a:r>
+            <a:r>
+              <a:rPr lang="en-US" sz="1400" dirty="0"/>
+              <a:t> test/train split</a:t>
+            </a:r>
+          </a:p>
+          <a:p>
+            <a:endParaRPr lang="en-US" sz="1400" dirty="0"/>
+          </a:p>
+        </p:txBody>
+      </p:sp>
+    </p:spTree>
+    <p:extLst>
+      <p:ext uri="{BB962C8B-B14F-4D97-AF65-F5344CB8AC3E}">
+        <p14:creationId xmlns:p14="http://schemas.microsoft.com/office/powerpoint/2010/main" val="2547361076"/>
       </p:ext>
     </p:extLst>
   </p:cSld>

--- a/Documents/Presentation1.pptx
+++ b/Documents/Presentation1.pptx
@@ -7,6 +7,13 @@
   <p:sldIdLst>
     <p:sldId id="256" r:id="rId2"/>
     <p:sldId id="257" r:id="rId3"/>
+    <p:sldId id="261" r:id="rId4"/>
+    <p:sldId id="260" r:id="rId5"/>
+    <p:sldId id="264" r:id="rId6"/>
+    <p:sldId id="265" r:id="rId7"/>
+    <p:sldId id="258" r:id="rId8"/>
+    <p:sldId id="259" r:id="rId9"/>
+    <p:sldId id="262" r:id="rId10"/>
   </p:sldIdLst>
   <p:sldSz cx="12192000" cy="6858000"/>
   <p:notesSz cx="6858000" cy="9144000"/>
@@ -260,7 +267,7 @@
           <a:p>
             <a:fld id="{584E785A-4B92-4669-BA48-10B4A554473E}" type="datetimeFigureOut">
               <a:rPr lang="en-US" smtClean="0"/>
-              <a:t>7/24/2023</a:t>
+              <a:t>7/28/2023</a:t>
             </a:fld>
             <a:endParaRPr lang="en-US"/>
           </a:p>
@@ -458,7 +465,7 @@
           <a:p>
             <a:fld id="{584E785A-4B92-4669-BA48-10B4A554473E}" type="datetimeFigureOut">
               <a:rPr lang="en-US" smtClean="0"/>
-              <a:t>7/24/2023</a:t>
+              <a:t>7/28/2023</a:t>
             </a:fld>
             <a:endParaRPr lang="en-US"/>
           </a:p>
@@ -666,7 +673,7 @@
           <a:p>
             <a:fld id="{584E785A-4B92-4669-BA48-10B4A554473E}" type="datetimeFigureOut">
               <a:rPr lang="en-US" smtClean="0"/>
-              <a:t>7/24/2023</a:t>
+              <a:t>7/28/2023</a:t>
             </a:fld>
             <a:endParaRPr lang="en-US"/>
           </a:p>
@@ -864,7 +871,7 @@
           <a:p>
             <a:fld id="{584E785A-4B92-4669-BA48-10B4A554473E}" type="datetimeFigureOut">
               <a:rPr lang="en-US" smtClean="0"/>
-              <a:t>7/24/2023</a:t>
+              <a:t>7/28/2023</a:t>
             </a:fld>
             <a:endParaRPr lang="en-US"/>
           </a:p>
@@ -1139,7 +1146,7 @@
           <a:p>
             <a:fld id="{584E785A-4B92-4669-BA48-10B4A554473E}" type="datetimeFigureOut">
               <a:rPr lang="en-US" smtClean="0"/>
-              <a:t>7/24/2023</a:t>
+              <a:t>7/28/2023</a:t>
             </a:fld>
             <a:endParaRPr lang="en-US"/>
           </a:p>
@@ -1404,7 +1411,7 @@
           <a:p>
             <a:fld id="{584E785A-4B92-4669-BA48-10B4A554473E}" type="datetimeFigureOut">
               <a:rPr lang="en-US" smtClean="0"/>
-              <a:t>7/24/2023</a:t>
+              <a:t>7/28/2023</a:t>
             </a:fld>
             <a:endParaRPr lang="en-US"/>
           </a:p>
@@ -1816,7 +1823,7 @@
           <a:p>
             <a:fld id="{584E785A-4B92-4669-BA48-10B4A554473E}" type="datetimeFigureOut">
               <a:rPr lang="en-US" smtClean="0"/>
-              <a:t>7/24/2023</a:t>
+              <a:t>7/28/2023</a:t>
             </a:fld>
             <a:endParaRPr lang="en-US"/>
           </a:p>
@@ -1957,7 +1964,7 @@
           <a:p>
             <a:fld id="{584E785A-4B92-4669-BA48-10B4A554473E}" type="datetimeFigureOut">
               <a:rPr lang="en-US" smtClean="0"/>
-              <a:t>7/24/2023</a:t>
+              <a:t>7/28/2023</a:t>
             </a:fld>
             <a:endParaRPr lang="en-US"/>
           </a:p>
@@ -2070,7 +2077,7 @@
           <a:p>
             <a:fld id="{584E785A-4B92-4669-BA48-10B4A554473E}" type="datetimeFigureOut">
               <a:rPr lang="en-US" smtClean="0"/>
-              <a:t>7/24/2023</a:t>
+              <a:t>7/28/2023</a:t>
             </a:fld>
             <a:endParaRPr lang="en-US"/>
           </a:p>
@@ -2381,7 +2388,7 @@
           <a:p>
             <a:fld id="{584E785A-4B92-4669-BA48-10B4A554473E}" type="datetimeFigureOut">
               <a:rPr lang="en-US" smtClean="0"/>
-              <a:t>7/24/2023</a:t>
+              <a:t>7/28/2023</a:t>
             </a:fld>
             <a:endParaRPr lang="en-US"/>
           </a:p>
@@ -2669,7 +2676,7 @@
           <a:p>
             <a:fld id="{584E785A-4B92-4669-BA48-10B4A554473E}" type="datetimeFigureOut">
               <a:rPr lang="en-US" smtClean="0"/>
-              <a:t>7/24/2023</a:t>
+              <a:t>7/28/2023</a:t>
             </a:fld>
             <a:endParaRPr lang="en-US"/>
           </a:p>
@@ -2910,7 +2917,7 @@
           <a:p>
             <a:fld id="{584E785A-4B92-4669-BA48-10B4A554473E}" type="datetimeFigureOut">
               <a:rPr lang="en-US" smtClean="0"/>
-              <a:t>7/24/2023</a:t>
+              <a:t>7/28/2023</a:t>
             </a:fld>
             <a:endParaRPr lang="en-US"/>
           </a:p>
@@ -4833,6 +4840,3068 @@
 </p:sld>
 </file>
 
+<file path=ppt/slides/slide3.xml><?xml version="1.0" encoding="utf-8"?>
+<p:sld xmlns:a="http://schemas.openxmlformats.org/drawingml/2006/main" xmlns:r="http://schemas.openxmlformats.org/officeDocument/2006/relationships" xmlns:p="http://schemas.openxmlformats.org/presentationml/2006/main">
+  <p:cSld>
+    <p:spTree>
+      <p:nvGrpSpPr>
+        <p:cNvPr id="1" name=""/>
+        <p:cNvGrpSpPr/>
+        <p:nvPr/>
+      </p:nvGrpSpPr>
+      <p:grpSpPr>
+        <a:xfrm>
+          <a:off x="0" y="0"/>
+          <a:ext cx="0" cy="0"/>
+          <a:chOff x="0" y="0"/>
+          <a:chExt cx="0" cy="0"/>
+        </a:xfrm>
+      </p:grpSpPr>
+      <p:sp>
+        <p:nvSpPr>
+          <p:cNvPr id="2" name="Title 1">
+            <a:extLst>
+              <a:ext uri="{FF2B5EF4-FFF2-40B4-BE49-F238E27FC236}">
+                <a16:creationId xmlns:a16="http://schemas.microsoft.com/office/drawing/2014/main" id="{946A638C-F3C8-134A-C43B-7A9004C83067}"/>
+              </a:ext>
+            </a:extLst>
+          </p:cNvPr>
+          <p:cNvSpPr txBox="1">
+            <a:spLocks/>
+          </p:cNvSpPr>
+          <p:nvPr/>
+        </p:nvSpPr>
+        <p:spPr>
+          <a:xfrm>
+            <a:off x="838200" y="365125"/>
+            <a:ext cx="10515600" cy="1325563"/>
+          </a:xfrm>
+          <a:prstGeom prst="rect">
+            <a:avLst/>
+          </a:prstGeom>
+        </p:spPr>
+        <p:txBody>
+          <a:bodyPr/>
+          <a:lstStyle>
+            <a:lvl1pPr algn="l" defTabSz="914400" rtl="0" eaLnBrk="1" latinLnBrk="0" hangingPunct="1">
+              <a:lnSpc>
+                <a:spcPct val="90000"/>
+              </a:lnSpc>
+              <a:spcBef>
+                <a:spcPct val="0"/>
+              </a:spcBef>
+              <a:buNone/>
+              <a:defRPr sz="4400" kern="1200">
+                <a:solidFill>
+                  <a:schemeClr val="tx1"/>
+                </a:solidFill>
+                <a:latin typeface="+mj-lt"/>
+                <a:ea typeface="+mj-ea"/>
+                <a:cs typeface="+mj-cs"/>
+              </a:defRPr>
+            </a:lvl1pPr>
+          </a:lstStyle>
+          <a:p>
+            <a:r>
+              <a:rPr lang="en-US"/>
+              <a:t>Base Line model</a:t>
+            </a:r>
+            <a:endParaRPr lang="en-US" dirty="0"/>
+          </a:p>
+        </p:txBody>
+      </p:sp>
+      <p:sp>
+        <p:nvSpPr>
+          <p:cNvPr id="3" name="Rectangle: Rounded Corners 2">
+            <a:extLst>
+              <a:ext uri="{FF2B5EF4-FFF2-40B4-BE49-F238E27FC236}">
+                <a16:creationId xmlns:a16="http://schemas.microsoft.com/office/drawing/2014/main" id="{00055843-FF6D-3EBA-27BB-F2B76B67F2BD}"/>
+              </a:ext>
+            </a:extLst>
+          </p:cNvPr>
+          <p:cNvSpPr/>
+          <p:nvPr/>
+        </p:nvSpPr>
+        <p:spPr>
+          <a:xfrm>
+            <a:off x="4532847" y="1453758"/>
+            <a:ext cx="2448191" cy="670583"/>
+          </a:xfrm>
+          <a:prstGeom prst="roundRect">
+            <a:avLst/>
+          </a:prstGeom>
+        </p:spPr>
+        <p:style>
+          <a:lnRef idx="2">
+            <a:schemeClr val="accent1">
+              <a:shade val="15000"/>
+            </a:schemeClr>
+          </a:lnRef>
+          <a:fillRef idx="1">
+            <a:schemeClr val="accent1"/>
+          </a:fillRef>
+          <a:effectRef idx="0">
+            <a:schemeClr val="accent1"/>
+          </a:effectRef>
+          <a:fontRef idx="minor">
+            <a:schemeClr val="lt1"/>
+          </a:fontRef>
+        </p:style>
+        <p:txBody>
+          <a:bodyPr rtlCol="0" anchor="ctr"/>
+          <a:lstStyle/>
+          <a:p>
+            <a:pPr algn="ctr"/>
+            <a:r>
+              <a:rPr lang="en-US" dirty="0"/>
+              <a:t>Bands +(Water Quality Parameters)WQP</a:t>
+            </a:r>
+          </a:p>
+        </p:txBody>
+      </p:sp>
+      <p:sp>
+        <p:nvSpPr>
+          <p:cNvPr id="5" name="Rectangle: Rounded Corners 4">
+            <a:extLst>
+              <a:ext uri="{FF2B5EF4-FFF2-40B4-BE49-F238E27FC236}">
+                <a16:creationId xmlns:a16="http://schemas.microsoft.com/office/drawing/2014/main" id="{4C4E22E5-4888-6F0F-B19D-BF5D0F52AB20}"/>
+              </a:ext>
+            </a:extLst>
+          </p:cNvPr>
+          <p:cNvSpPr/>
+          <p:nvPr/>
+        </p:nvSpPr>
+        <p:spPr>
+          <a:xfrm>
+            <a:off x="1211861" y="2924331"/>
+            <a:ext cx="2174146" cy="339960"/>
+          </a:xfrm>
+          <a:prstGeom prst="roundRect">
+            <a:avLst/>
+          </a:prstGeom>
+        </p:spPr>
+        <p:style>
+          <a:lnRef idx="2">
+            <a:schemeClr val="accent1">
+              <a:shade val="15000"/>
+            </a:schemeClr>
+          </a:lnRef>
+          <a:fillRef idx="1">
+            <a:schemeClr val="accent1"/>
+          </a:fillRef>
+          <a:effectRef idx="0">
+            <a:schemeClr val="accent1"/>
+          </a:effectRef>
+          <a:fontRef idx="minor">
+            <a:schemeClr val="lt1"/>
+          </a:fontRef>
+        </p:style>
+        <p:txBody>
+          <a:bodyPr rtlCol="0" anchor="ctr"/>
+          <a:lstStyle/>
+          <a:p>
+            <a:pPr algn="ctr"/>
+            <a:r>
+              <a:rPr lang="en-US" dirty="0"/>
+              <a:t>Model for pH</a:t>
+            </a:r>
+          </a:p>
+        </p:txBody>
+      </p:sp>
+      <p:sp>
+        <p:nvSpPr>
+          <p:cNvPr id="6" name="Rectangle: Rounded Corners 5">
+            <a:extLst>
+              <a:ext uri="{FF2B5EF4-FFF2-40B4-BE49-F238E27FC236}">
+                <a16:creationId xmlns:a16="http://schemas.microsoft.com/office/drawing/2014/main" id="{22C00C6B-9EDD-8598-50E6-925C2E7C68FB}"/>
+              </a:ext>
+            </a:extLst>
+          </p:cNvPr>
+          <p:cNvSpPr/>
+          <p:nvPr/>
+        </p:nvSpPr>
+        <p:spPr>
+          <a:xfrm>
+            <a:off x="705375" y="3763688"/>
+            <a:ext cx="3187117" cy="734245"/>
+          </a:xfrm>
+          <a:prstGeom prst="roundRect">
+            <a:avLst/>
+          </a:prstGeom>
+        </p:spPr>
+        <p:style>
+          <a:lnRef idx="2">
+            <a:schemeClr val="accent1">
+              <a:shade val="15000"/>
+            </a:schemeClr>
+          </a:lnRef>
+          <a:fillRef idx="1">
+            <a:schemeClr val="accent1"/>
+          </a:fillRef>
+          <a:effectRef idx="0">
+            <a:schemeClr val="accent1"/>
+          </a:effectRef>
+          <a:fontRef idx="minor">
+            <a:schemeClr val="lt1"/>
+          </a:fontRef>
+        </p:style>
+        <p:txBody>
+          <a:bodyPr rtlCol="0" anchor="ctr"/>
+          <a:lstStyle/>
+          <a:p>
+            <a:pPr algn="ctr"/>
+            <a:r>
+              <a:rPr lang="en-US" dirty="0"/>
+              <a:t>Lowest value of pH  in data point</a:t>
+            </a:r>
+          </a:p>
+        </p:txBody>
+      </p:sp>
+      <p:cxnSp>
+        <p:nvCxnSpPr>
+          <p:cNvPr id="8" name="Straight Arrow Connector 7">
+            <a:extLst>
+              <a:ext uri="{FF2B5EF4-FFF2-40B4-BE49-F238E27FC236}">
+                <a16:creationId xmlns:a16="http://schemas.microsoft.com/office/drawing/2014/main" id="{3D4808E6-6034-A7E1-3E97-31DBC392A29A}"/>
+              </a:ext>
+            </a:extLst>
+          </p:cNvPr>
+          <p:cNvCxnSpPr>
+            <a:cxnSpLocks/>
+            <a:stCxn id="3" idx="1"/>
+            <a:endCxn id="5" idx="0"/>
+          </p:cNvCxnSpPr>
+          <p:nvPr/>
+        </p:nvCxnSpPr>
+        <p:spPr>
+          <a:xfrm flipH="1">
+            <a:off x="2298934" y="1789050"/>
+            <a:ext cx="2233913" cy="1135281"/>
+          </a:xfrm>
+          <a:prstGeom prst="straightConnector1">
+            <a:avLst/>
+          </a:prstGeom>
+          <a:ln>
+            <a:tailEnd type="triangle"/>
+          </a:ln>
+        </p:spPr>
+        <p:style>
+          <a:lnRef idx="1">
+            <a:schemeClr val="accent1"/>
+          </a:lnRef>
+          <a:fillRef idx="0">
+            <a:schemeClr val="accent1"/>
+          </a:fillRef>
+          <a:effectRef idx="0">
+            <a:schemeClr val="accent1"/>
+          </a:effectRef>
+          <a:fontRef idx="minor">
+            <a:schemeClr val="tx1"/>
+          </a:fontRef>
+        </p:style>
+      </p:cxnSp>
+      <p:cxnSp>
+        <p:nvCxnSpPr>
+          <p:cNvPr id="9" name="Straight Arrow Connector 8">
+            <a:extLst>
+              <a:ext uri="{FF2B5EF4-FFF2-40B4-BE49-F238E27FC236}">
+                <a16:creationId xmlns:a16="http://schemas.microsoft.com/office/drawing/2014/main" id="{02504699-098F-F885-5321-DF39A56AD127}"/>
+              </a:ext>
+            </a:extLst>
+          </p:cNvPr>
+          <p:cNvCxnSpPr>
+            <a:cxnSpLocks/>
+            <a:stCxn id="5" idx="2"/>
+            <a:endCxn id="6" idx="0"/>
+          </p:cNvCxnSpPr>
+          <p:nvPr/>
+        </p:nvCxnSpPr>
+        <p:spPr>
+          <a:xfrm>
+            <a:off x="2298934" y="3264291"/>
+            <a:ext cx="0" cy="499397"/>
+          </a:xfrm>
+          <a:prstGeom prst="straightConnector1">
+            <a:avLst/>
+          </a:prstGeom>
+          <a:ln>
+            <a:tailEnd type="triangle"/>
+          </a:ln>
+        </p:spPr>
+        <p:style>
+          <a:lnRef idx="1">
+            <a:schemeClr val="accent1"/>
+          </a:lnRef>
+          <a:fillRef idx="0">
+            <a:schemeClr val="accent1"/>
+          </a:fillRef>
+          <a:effectRef idx="0">
+            <a:schemeClr val="accent1"/>
+          </a:effectRef>
+          <a:fontRef idx="minor">
+            <a:schemeClr val="tx1"/>
+          </a:fontRef>
+        </p:style>
+      </p:cxnSp>
+      <p:cxnSp>
+        <p:nvCxnSpPr>
+          <p:cNvPr id="13" name="Straight Arrow Connector 12">
+            <a:extLst>
+              <a:ext uri="{FF2B5EF4-FFF2-40B4-BE49-F238E27FC236}">
+                <a16:creationId xmlns:a16="http://schemas.microsoft.com/office/drawing/2014/main" id="{64BC84EB-C4CB-2F7C-46A3-3E4DCD5D3883}"/>
+              </a:ext>
+            </a:extLst>
+          </p:cNvPr>
+          <p:cNvCxnSpPr>
+            <a:cxnSpLocks/>
+            <a:stCxn id="6" idx="3"/>
+            <a:endCxn id="22" idx="1"/>
+          </p:cNvCxnSpPr>
+          <p:nvPr/>
+        </p:nvCxnSpPr>
+        <p:spPr>
+          <a:xfrm>
+            <a:off x="3892492" y="4130811"/>
+            <a:ext cx="640356" cy="807"/>
+          </a:xfrm>
+          <a:prstGeom prst="straightConnector1">
+            <a:avLst/>
+          </a:prstGeom>
+          <a:ln>
+            <a:tailEnd type="triangle"/>
+          </a:ln>
+        </p:spPr>
+        <p:style>
+          <a:lnRef idx="1">
+            <a:schemeClr val="accent1"/>
+          </a:lnRef>
+          <a:fillRef idx="0">
+            <a:schemeClr val="accent1"/>
+          </a:fillRef>
+          <a:effectRef idx="0">
+            <a:schemeClr val="accent1"/>
+          </a:effectRef>
+          <a:fontRef idx="minor">
+            <a:schemeClr val="tx1"/>
+          </a:fontRef>
+        </p:style>
+      </p:cxnSp>
+      <p:sp>
+        <p:nvSpPr>
+          <p:cNvPr id="22" name="Rectangle: Rounded Corners 21">
+            <a:extLst>
+              <a:ext uri="{FF2B5EF4-FFF2-40B4-BE49-F238E27FC236}">
+                <a16:creationId xmlns:a16="http://schemas.microsoft.com/office/drawing/2014/main" id="{FD480B72-B5FD-C879-C743-715E9AD57E55}"/>
+              </a:ext>
+            </a:extLst>
+          </p:cNvPr>
+          <p:cNvSpPr/>
+          <p:nvPr/>
+        </p:nvSpPr>
+        <p:spPr>
+          <a:xfrm>
+            <a:off x="4532848" y="3651542"/>
+            <a:ext cx="2448191" cy="960152"/>
+          </a:xfrm>
+          <a:prstGeom prst="roundRect">
+            <a:avLst/>
+          </a:prstGeom>
+        </p:spPr>
+        <p:style>
+          <a:lnRef idx="2">
+            <a:schemeClr val="accent1">
+              <a:shade val="15000"/>
+            </a:schemeClr>
+          </a:lnRef>
+          <a:fillRef idx="1">
+            <a:schemeClr val="accent1"/>
+          </a:fillRef>
+          <a:effectRef idx="0">
+            <a:schemeClr val="accent1"/>
+          </a:effectRef>
+          <a:fontRef idx="minor">
+            <a:schemeClr val="lt1"/>
+          </a:fontRef>
+        </p:style>
+        <p:txBody>
+          <a:bodyPr rtlCol="0" anchor="ctr"/>
+          <a:lstStyle/>
+          <a:p>
+            <a:pPr algn="ctr"/>
+            <a:r>
+              <a:rPr lang="en-US" dirty="0"/>
+              <a:t>Bands +WQP – Lowest pH(values for respective column)</a:t>
+            </a:r>
+          </a:p>
+        </p:txBody>
+      </p:sp>
+      <p:cxnSp>
+        <p:nvCxnSpPr>
+          <p:cNvPr id="26" name="Straight Arrow Connector 25">
+            <a:extLst>
+              <a:ext uri="{FF2B5EF4-FFF2-40B4-BE49-F238E27FC236}">
+                <a16:creationId xmlns:a16="http://schemas.microsoft.com/office/drawing/2014/main" id="{690725F6-DD54-0017-4BAB-C543FC4D09EF}"/>
+              </a:ext>
+            </a:extLst>
+          </p:cNvPr>
+          <p:cNvCxnSpPr>
+            <a:cxnSpLocks/>
+            <a:stCxn id="3" idx="2"/>
+            <a:endCxn id="22" idx="0"/>
+          </p:cNvCxnSpPr>
+          <p:nvPr/>
+        </p:nvCxnSpPr>
+        <p:spPr>
+          <a:xfrm>
+            <a:off x="5756943" y="2124341"/>
+            <a:ext cx="1" cy="1527201"/>
+          </a:xfrm>
+          <a:prstGeom prst="straightConnector1">
+            <a:avLst/>
+          </a:prstGeom>
+          <a:ln>
+            <a:tailEnd type="triangle"/>
+          </a:ln>
+        </p:spPr>
+        <p:style>
+          <a:lnRef idx="1">
+            <a:schemeClr val="accent1"/>
+          </a:lnRef>
+          <a:fillRef idx="0">
+            <a:schemeClr val="accent1"/>
+          </a:fillRef>
+          <a:effectRef idx="0">
+            <a:schemeClr val="accent1"/>
+          </a:effectRef>
+          <a:fontRef idx="minor">
+            <a:schemeClr val="tx1"/>
+          </a:fontRef>
+        </p:style>
+      </p:cxnSp>
+      <p:sp>
+        <p:nvSpPr>
+          <p:cNvPr id="37" name="Rectangle: Rounded Corners 36">
+            <a:extLst>
+              <a:ext uri="{FF2B5EF4-FFF2-40B4-BE49-F238E27FC236}">
+                <a16:creationId xmlns:a16="http://schemas.microsoft.com/office/drawing/2014/main" id="{AEAADAC9-CAF7-6323-CB96-AEDE6C8B4D7F}"/>
+              </a:ext>
+            </a:extLst>
+          </p:cNvPr>
+          <p:cNvSpPr/>
+          <p:nvPr/>
+        </p:nvSpPr>
+        <p:spPr>
+          <a:xfrm>
+            <a:off x="7621394" y="3795518"/>
+            <a:ext cx="2448191" cy="670583"/>
+          </a:xfrm>
+          <a:prstGeom prst="roundRect">
+            <a:avLst/>
+          </a:prstGeom>
+        </p:spPr>
+        <p:style>
+          <a:lnRef idx="2">
+            <a:schemeClr val="accent1">
+              <a:shade val="15000"/>
+            </a:schemeClr>
+          </a:lnRef>
+          <a:fillRef idx="1">
+            <a:schemeClr val="accent1"/>
+          </a:fillRef>
+          <a:effectRef idx="0">
+            <a:schemeClr val="accent1"/>
+          </a:effectRef>
+          <a:fontRef idx="minor">
+            <a:schemeClr val="lt1"/>
+          </a:fontRef>
+        </p:style>
+        <p:txBody>
+          <a:bodyPr rtlCol="0" anchor="ctr"/>
+          <a:lstStyle/>
+          <a:p>
+            <a:pPr algn="ctr"/>
+            <a:r>
+              <a:rPr lang="en-US" dirty="0"/>
+              <a:t>Train/Test SVR</a:t>
+            </a:r>
+          </a:p>
+        </p:txBody>
+      </p:sp>
+      <p:sp>
+        <p:nvSpPr>
+          <p:cNvPr id="38" name="Rectangle: Rounded Corners 37">
+            <a:extLst>
+              <a:ext uri="{FF2B5EF4-FFF2-40B4-BE49-F238E27FC236}">
+                <a16:creationId xmlns:a16="http://schemas.microsoft.com/office/drawing/2014/main" id="{589EF9F0-3E0F-CEE4-D09B-9530B8DAE9D5}"/>
+              </a:ext>
+            </a:extLst>
+          </p:cNvPr>
+          <p:cNvSpPr/>
+          <p:nvPr/>
+        </p:nvSpPr>
+        <p:spPr>
+          <a:xfrm>
+            <a:off x="7621394" y="4785714"/>
+            <a:ext cx="2448191" cy="801354"/>
+          </a:xfrm>
+          <a:prstGeom prst="roundRect">
+            <a:avLst/>
+          </a:prstGeom>
+        </p:spPr>
+        <p:style>
+          <a:lnRef idx="2">
+            <a:schemeClr val="accent1">
+              <a:shade val="15000"/>
+            </a:schemeClr>
+          </a:lnRef>
+          <a:fillRef idx="1">
+            <a:schemeClr val="accent1"/>
+          </a:fillRef>
+          <a:effectRef idx="0">
+            <a:schemeClr val="accent1"/>
+          </a:effectRef>
+          <a:fontRef idx="minor">
+            <a:schemeClr val="lt1"/>
+          </a:fontRef>
+        </p:style>
+        <p:txBody>
+          <a:bodyPr rtlCol="0" anchor="ctr"/>
+          <a:lstStyle/>
+          <a:p>
+            <a:pPr algn="ctr"/>
+            <a:r>
+              <a:rPr lang="en-US" dirty="0"/>
+              <a:t>Final pred = Predicted value + lowest pH (actual pH value)</a:t>
+            </a:r>
+          </a:p>
+        </p:txBody>
+      </p:sp>
+      <p:cxnSp>
+        <p:nvCxnSpPr>
+          <p:cNvPr id="39" name="Straight Arrow Connector 38">
+            <a:extLst>
+              <a:ext uri="{FF2B5EF4-FFF2-40B4-BE49-F238E27FC236}">
+                <a16:creationId xmlns:a16="http://schemas.microsoft.com/office/drawing/2014/main" id="{EF927D3E-6DC7-CF4D-145E-EF7BBB422752}"/>
+              </a:ext>
+            </a:extLst>
+          </p:cNvPr>
+          <p:cNvCxnSpPr>
+            <a:cxnSpLocks/>
+            <a:stCxn id="22" idx="3"/>
+            <a:endCxn id="37" idx="1"/>
+          </p:cNvCxnSpPr>
+          <p:nvPr/>
+        </p:nvCxnSpPr>
+        <p:spPr>
+          <a:xfrm flipV="1">
+            <a:off x="6981039" y="4130810"/>
+            <a:ext cx="640355" cy="808"/>
+          </a:xfrm>
+          <a:prstGeom prst="straightConnector1">
+            <a:avLst/>
+          </a:prstGeom>
+          <a:ln>
+            <a:tailEnd type="triangle"/>
+          </a:ln>
+        </p:spPr>
+        <p:style>
+          <a:lnRef idx="1">
+            <a:schemeClr val="accent1"/>
+          </a:lnRef>
+          <a:fillRef idx="0">
+            <a:schemeClr val="accent1"/>
+          </a:fillRef>
+          <a:effectRef idx="0">
+            <a:schemeClr val="accent1"/>
+          </a:effectRef>
+          <a:fontRef idx="minor">
+            <a:schemeClr val="tx1"/>
+          </a:fontRef>
+        </p:style>
+      </p:cxnSp>
+      <p:cxnSp>
+        <p:nvCxnSpPr>
+          <p:cNvPr id="42" name="Straight Arrow Connector 41">
+            <a:extLst>
+              <a:ext uri="{FF2B5EF4-FFF2-40B4-BE49-F238E27FC236}">
+                <a16:creationId xmlns:a16="http://schemas.microsoft.com/office/drawing/2014/main" id="{DE1559D7-641C-7BEE-3D72-E92CED3B715A}"/>
+              </a:ext>
+            </a:extLst>
+          </p:cNvPr>
+          <p:cNvCxnSpPr>
+            <a:cxnSpLocks/>
+            <a:stCxn id="37" idx="2"/>
+            <a:endCxn id="38" idx="0"/>
+          </p:cNvCxnSpPr>
+          <p:nvPr/>
+        </p:nvCxnSpPr>
+        <p:spPr>
+          <a:xfrm>
+            <a:off x="8845490" y="4466101"/>
+            <a:ext cx="0" cy="319613"/>
+          </a:xfrm>
+          <a:prstGeom prst="straightConnector1">
+            <a:avLst/>
+          </a:prstGeom>
+          <a:ln>
+            <a:tailEnd type="triangle"/>
+          </a:ln>
+        </p:spPr>
+        <p:style>
+          <a:lnRef idx="1">
+            <a:schemeClr val="accent1"/>
+          </a:lnRef>
+          <a:fillRef idx="0">
+            <a:schemeClr val="accent1"/>
+          </a:fillRef>
+          <a:effectRef idx="0">
+            <a:schemeClr val="accent1"/>
+          </a:effectRef>
+          <a:fontRef idx="minor">
+            <a:schemeClr val="tx1"/>
+          </a:fontRef>
+        </p:style>
+      </p:cxnSp>
+      <p:sp>
+        <p:nvSpPr>
+          <p:cNvPr id="46" name="TextBox 45">
+            <a:extLst>
+              <a:ext uri="{FF2B5EF4-FFF2-40B4-BE49-F238E27FC236}">
+                <a16:creationId xmlns:a16="http://schemas.microsoft.com/office/drawing/2014/main" id="{32D4C257-9DB2-E48E-B8D6-2C26DBC9F58D}"/>
+              </a:ext>
+            </a:extLst>
+          </p:cNvPr>
+          <p:cNvSpPr txBox="1"/>
+          <p:nvPr/>
+        </p:nvSpPr>
+        <p:spPr>
+          <a:xfrm>
+            <a:off x="838200" y="4539457"/>
+            <a:ext cx="3054291" cy="646331"/>
+          </a:xfrm>
+          <a:prstGeom prst="rect">
+            <a:avLst/>
+          </a:prstGeom>
+          <a:noFill/>
+        </p:spPr>
+        <p:txBody>
+          <a:bodyPr wrap="square">
+            <a:spAutoFit/>
+          </a:bodyPr>
+          <a:lstStyle/>
+          <a:p>
+            <a:pPr algn="ctr"/>
+            <a:r>
+              <a:rPr lang="en-US" dirty="0"/>
+              <a:t>Issue of multiple point having same value</a:t>
+            </a:r>
+          </a:p>
+        </p:txBody>
+      </p:sp>
+    </p:spTree>
+    <p:extLst>
+      <p:ext uri="{BB962C8B-B14F-4D97-AF65-F5344CB8AC3E}">
+        <p14:creationId xmlns:p14="http://schemas.microsoft.com/office/powerpoint/2010/main" val="2847479859"/>
+      </p:ext>
+    </p:extLst>
+  </p:cSld>
+  <p:clrMapOvr>
+    <a:masterClrMapping/>
+  </p:clrMapOvr>
+</p:sld>
+</file>
+
+<file path=ppt/slides/slide4.xml><?xml version="1.0" encoding="utf-8"?>
+<p:sld xmlns:a="http://schemas.openxmlformats.org/drawingml/2006/main" xmlns:r="http://schemas.openxmlformats.org/officeDocument/2006/relationships" xmlns:p="http://schemas.openxmlformats.org/presentationml/2006/main">
+  <p:cSld>
+    <p:spTree>
+      <p:nvGrpSpPr>
+        <p:cNvPr id="1" name=""/>
+        <p:cNvGrpSpPr/>
+        <p:nvPr/>
+      </p:nvGrpSpPr>
+      <p:grpSpPr>
+        <a:xfrm>
+          <a:off x="0" y="0"/>
+          <a:ext cx="0" cy="0"/>
+          <a:chOff x="0" y="0"/>
+          <a:chExt cx="0" cy="0"/>
+        </a:xfrm>
+      </p:grpSpPr>
+      <p:sp>
+        <p:nvSpPr>
+          <p:cNvPr id="2" name="TextBox 1">
+            <a:extLst>
+              <a:ext uri="{FF2B5EF4-FFF2-40B4-BE49-F238E27FC236}">
+                <a16:creationId xmlns:a16="http://schemas.microsoft.com/office/drawing/2014/main" id="{A8C8FCD2-8275-6CEA-D29F-BD382CD12EEE}"/>
+              </a:ext>
+            </a:extLst>
+          </p:cNvPr>
+          <p:cNvSpPr txBox="1"/>
+          <p:nvPr/>
+        </p:nvSpPr>
+        <p:spPr>
+          <a:xfrm>
+            <a:off x="276836" y="469977"/>
+            <a:ext cx="10754686" cy="369332"/>
+          </a:xfrm>
+          <a:prstGeom prst="rect">
+            <a:avLst/>
+          </a:prstGeom>
+          <a:noFill/>
+        </p:spPr>
+        <p:txBody>
+          <a:bodyPr wrap="square" rtlCol="0">
+            <a:spAutoFit/>
+          </a:bodyPr>
+          <a:lstStyle/>
+          <a:p>
+            <a:r>
+              <a:rPr lang="en-US" dirty="0"/>
+              <a:t>Problem with base line  model</a:t>
+            </a:r>
+          </a:p>
+        </p:txBody>
+      </p:sp>
+      <p:sp>
+        <p:nvSpPr>
+          <p:cNvPr id="3" name="TextBox 2">
+            <a:extLst>
+              <a:ext uri="{FF2B5EF4-FFF2-40B4-BE49-F238E27FC236}">
+                <a16:creationId xmlns:a16="http://schemas.microsoft.com/office/drawing/2014/main" id="{AFA8E367-487A-A15D-A357-D1D1778F630B}"/>
+              </a:ext>
+            </a:extLst>
+          </p:cNvPr>
+          <p:cNvSpPr txBox="1"/>
+          <p:nvPr/>
+        </p:nvSpPr>
+        <p:spPr>
+          <a:xfrm>
+            <a:off x="620785" y="1033244"/>
+            <a:ext cx="10754686" cy="3139321"/>
+          </a:xfrm>
+          <a:prstGeom prst="rect">
+            <a:avLst/>
+          </a:prstGeom>
+          <a:noFill/>
+        </p:spPr>
+        <p:txBody>
+          <a:bodyPr wrap="square" rtlCol="0">
+            <a:spAutoFit/>
+          </a:bodyPr>
+          <a:lstStyle/>
+          <a:p>
+            <a:pPr marL="285750" indent="-285750">
+              <a:buFont typeface="Arial" panose="020B0604020202020204" pitchFamily="34" charset="0"/>
+              <a:buChar char="•"/>
+            </a:pPr>
+            <a:r>
+              <a:rPr lang="en-US" dirty="0"/>
+              <a:t>Having single base  line which is lowest value of particular parameter  while predicating that parameters</a:t>
+            </a:r>
+          </a:p>
+          <a:p>
+            <a:pPr marL="742950" lvl="1" indent="-285750">
+              <a:buFont typeface="Arial" panose="020B0604020202020204" pitchFamily="34" charset="0"/>
+              <a:buChar char="•"/>
+            </a:pPr>
+            <a:r>
+              <a:rPr lang="en-US" dirty="0"/>
+              <a:t>which is the reason it was not able to perform for fresh and brackish at same time</a:t>
+            </a:r>
+          </a:p>
+          <a:p>
+            <a:pPr marL="285750" indent="-285750">
+              <a:buFont typeface="Arial" panose="020B0604020202020204" pitchFamily="34" charset="0"/>
+              <a:buChar char="•"/>
+            </a:pPr>
+            <a:endParaRPr lang="en-US" dirty="0"/>
+          </a:p>
+          <a:p>
+            <a:pPr marL="285750" indent="-285750">
+              <a:buFont typeface="Arial" panose="020B0604020202020204" pitchFamily="34" charset="0"/>
+              <a:buChar char="•"/>
+            </a:pPr>
+            <a:r>
+              <a:rPr lang="en-US" dirty="0"/>
+              <a:t>Large dataset with high variation of WQP</a:t>
+            </a:r>
+          </a:p>
+          <a:p>
+            <a:pPr marL="285750" indent="-285750">
+              <a:buFont typeface="Arial" panose="020B0604020202020204" pitchFamily="34" charset="0"/>
+              <a:buChar char="•"/>
+            </a:pPr>
+            <a:endParaRPr lang="en-US" dirty="0"/>
+          </a:p>
+          <a:p>
+            <a:pPr marL="285750" indent="-285750">
+              <a:buFont typeface="Arial" panose="020B0604020202020204" pitchFamily="34" charset="0"/>
+              <a:buChar char="•"/>
+            </a:pPr>
+            <a:r>
+              <a:rPr lang="en-US" dirty="0"/>
+              <a:t>Very sensitive to outliers</a:t>
+            </a:r>
+          </a:p>
+          <a:p>
+            <a:pPr marL="285750" indent="-285750">
+              <a:buFont typeface="Arial" panose="020B0604020202020204" pitchFamily="34" charset="0"/>
+              <a:buChar char="•"/>
+            </a:pPr>
+            <a:endParaRPr lang="en-US" dirty="0"/>
+          </a:p>
+          <a:p>
+            <a:pPr marL="285750" indent="-285750">
+              <a:buFont typeface="Arial" panose="020B0604020202020204" pitchFamily="34" charset="0"/>
+              <a:buChar char="•"/>
+            </a:pPr>
+            <a:r>
+              <a:rPr lang="en-US" dirty="0"/>
+              <a:t>Not consideration of interdependency of WQP</a:t>
+            </a:r>
+          </a:p>
+          <a:p>
+            <a:pPr marL="285750" indent="-285750">
+              <a:buFont typeface="Arial" panose="020B0604020202020204" pitchFamily="34" charset="0"/>
+              <a:buChar char="•"/>
+            </a:pPr>
+            <a:endParaRPr lang="en-US" dirty="0"/>
+          </a:p>
+          <a:p>
+            <a:pPr marL="285750" indent="-285750">
+              <a:buFont typeface="Arial" panose="020B0604020202020204" pitchFamily="34" charset="0"/>
+              <a:buChar char="•"/>
+            </a:pPr>
+            <a:r>
+              <a:rPr lang="en-US" dirty="0"/>
+              <a:t>High limitation on the scalability  of the model</a:t>
+            </a:r>
+          </a:p>
+          <a:p>
+            <a:pPr marL="285750" indent="-285750">
+              <a:buFont typeface="Arial" panose="020B0604020202020204" pitchFamily="34" charset="0"/>
+              <a:buChar char="•"/>
+            </a:pPr>
+            <a:endParaRPr lang="en-US" dirty="0"/>
+          </a:p>
+        </p:txBody>
+      </p:sp>
+      <p:sp>
+        <p:nvSpPr>
+          <p:cNvPr id="4" name="TextBox 3">
+            <a:extLst>
+              <a:ext uri="{FF2B5EF4-FFF2-40B4-BE49-F238E27FC236}">
+                <a16:creationId xmlns:a16="http://schemas.microsoft.com/office/drawing/2014/main" id="{0FFE1D6C-4282-87BF-C457-1673E1C6A94A}"/>
+              </a:ext>
+            </a:extLst>
+          </p:cNvPr>
+          <p:cNvSpPr txBox="1"/>
+          <p:nvPr/>
+        </p:nvSpPr>
+        <p:spPr>
+          <a:xfrm>
+            <a:off x="620785" y="5106099"/>
+            <a:ext cx="10721130" cy="646331"/>
+          </a:xfrm>
+          <a:prstGeom prst="rect">
+            <a:avLst/>
+          </a:prstGeom>
+          <a:noFill/>
+        </p:spPr>
+        <p:txBody>
+          <a:bodyPr wrap="square" rtlCol="0">
+            <a:spAutoFit/>
+          </a:bodyPr>
+          <a:lstStyle/>
+          <a:p>
+            <a:pPr marL="285750" indent="-285750">
+              <a:buFont typeface="Arial" panose="020B0604020202020204" pitchFamily="34" charset="0"/>
+              <a:buChar char="•"/>
+            </a:pPr>
+            <a:r>
+              <a:rPr lang="en-US" dirty="0"/>
+              <a:t>Good thing about this model is  less steps and complexity </a:t>
+            </a:r>
+          </a:p>
+          <a:p>
+            <a:pPr marL="285750" indent="-285750">
+              <a:buFont typeface="Arial" panose="020B0604020202020204" pitchFamily="34" charset="0"/>
+              <a:buChar char="•"/>
+            </a:pPr>
+            <a:r>
+              <a:rPr lang="en-US" dirty="0"/>
+              <a:t>Its performance comparable with WQI model on recent  dataset</a:t>
+            </a:r>
+          </a:p>
+        </p:txBody>
+      </p:sp>
+      <p:sp>
+        <p:nvSpPr>
+          <p:cNvPr id="5" name="TextBox 4">
+            <a:extLst>
+              <a:ext uri="{FF2B5EF4-FFF2-40B4-BE49-F238E27FC236}">
+                <a16:creationId xmlns:a16="http://schemas.microsoft.com/office/drawing/2014/main" id="{D5FCD89F-44A4-365B-5688-3F527B906BC6}"/>
+              </a:ext>
+            </a:extLst>
+          </p:cNvPr>
+          <p:cNvSpPr txBox="1"/>
+          <p:nvPr/>
+        </p:nvSpPr>
+        <p:spPr>
+          <a:xfrm>
+            <a:off x="318781" y="4643499"/>
+            <a:ext cx="10712741" cy="369332"/>
+          </a:xfrm>
+          <a:prstGeom prst="rect">
+            <a:avLst/>
+          </a:prstGeom>
+          <a:noFill/>
+        </p:spPr>
+        <p:txBody>
+          <a:bodyPr wrap="square" rtlCol="0">
+            <a:spAutoFit/>
+          </a:bodyPr>
+          <a:lstStyle/>
+          <a:p>
+            <a:r>
+              <a:rPr lang="en-US" dirty="0"/>
+              <a:t>Advantage of base line  model</a:t>
+            </a:r>
+          </a:p>
+        </p:txBody>
+      </p:sp>
+    </p:spTree>
+    <p:extLst>
+      <p:ext uri="{BB962C8B-B14F-4D97-AF65-F5344CB8AC3E}">
+        <p14:creationId xmlns:p14="http://schemas.microsoft.com/office/powerpoint/2010/main" val="1773190990"/>
+      </p:ext>
+    </p:extLst>
+  </p:cSld>
+  <p:clrMapOvr>
+    <a:masterClrMapping/>
+  </p:clrMapOvr>
+</p:sld>
+</file>
+
+<file path=ppt/slides/slide5.xml><?xml version="1.0" encoding="utf-8"?>
+<p:sld xmlns:a="http://schemas.openxmlformats.org/drawingml/2006/main" xmlns:r="http://schemas.openxmlformats.org/officeDocument/2006/relationships" xmlns:p="http://schemas.openxmlformats.org/presentationml/2006/main">
+  <p:cSld>
+    <p:spTree>
+      <p:nvGrpSpPr>
+        <p:cNvPr id="1" name=""/>
+        <p:cNvGrpSpPr/>
+        <p:nvPr/>
+      </p:nvGrpSpPr>
+      <p:grpSpPr>
+        <a:xfrm>
+          <a:off x="0" y="0"/>
+          <a:ext cx="0" cy="0"/>
+          <a:chOff x="0" y="0"/>
+          <a:chExt cx="0" cy="0"/>
+        </a:xfrm>
+      </p:grpSpPr>
+      <p:sp>
+        <p:nvSpPr>
+          <p:cNvPr id="4" name="Rectangle: Rounded Corners 3">
+            <a:extLst>
+              <a:ext uri="{FF2B5EF4-FFF2-40B4-BE49-F238E27FC236}">
+                <a16:creationId xmlns:a16="http://schemas.microsoft.com/office/drawing/2014/main" id="{7E8FA8D8-2A0A-5D7D-7400-59970ADA0EC4}"/>
+              </a:ext>
+            </a:extLst>
+          </p:cNvPr>
+          <p:cNvSpPr/>
+          <p:nvPr/>
+        </p:nvSpPr>
+        <p:spPr>
+          <a:xfrm>
+            <a:off x="2861196" y="1251812"/>
+            <a:ext cx="1750978" cy="972766"/>
+          </a:xfrm>
+          <a:prstGeom prst="roundRect">
+            <a:avLst/>
+          </a:prstGeom>
+        </p:spPr>
+        <p:style>
+          <a:lnRef idx="2">
+            <a:schemeClr val="accent1">
+              <a:shade val="15000"/>
+            </a:schemeClr>
+          </a:lnRef>
+          <a:fillRef idx="1">
+            <a:schemeClr val="accent1"/>
+          </a:fillRef>
+          <a:effectRef idx="0">
+            <a:schemeClr val="accent1"/>
+          </a:effectRef>
+          <a:fontRef idx="minor">
+            <a:schemeClr val="lt1"/>
+          </a:fontRef>
+        </p:style>
+        <p:txBody>
+          <a:bodyPr rtlCol="0" anchor="ctr"/>
+          <a:lstStyle/>
+          <a:p>
+            <a:pPr algn="ctr"/>
+            <a:r>
+              <a:rPr lang="en-US" dirty="0"/>
+              <a:t>Band data</a:t>
+            </a:r>
+          </a:p>
+        </p:txBody>
+      </p:sp>
+      <p:sp>
+        <p:nvSpPr>
+          <p:cNvPr id="5" name="Rectangle: Rounded Corners 4">
+            <a:extLst>
+              <a:ext uri="{FF2B5EF4-FFF2-40B4-BE49-F238E27FC236}">
+                <a16:creationId xmlns:a16="http://schemas.microsoft.com/office/drawing/2014/main" id="{95A36734-8C1E-7EBE-DA51-2A02DDCE5C55}"/>
+              </a:ext>
+            </a:extLst>
+          </p:cNvPr>
+          <p:cNvSpPr/>
+          <p:nvPr/>
+        </p:nvSpPr>
+        <p:spPr>
+          <a:xfrm>
+            <a:off x="5296191" y="1196502"/>
+            <a:ext cx="1750978" cy="972766"/>
+          </a:xfrm>
+          <a:prstGeom prst="roundRect">
+            <a:avLst/>
+          </a:prstGeom>
+        </p:spPr>
+        <p:style>
+          <a:lnRef idx="2">
+            <a:schemeClr val="accent1">
+              <a:shade val="15000"/>
+            </a:schemeClr>
+          </a:lnRef>
+          <a:fillRef idx="1">
+            <a:schemeClr val="accent1"/>
+          </a:fillRef>
+          <a:effectRef idx="0">
+            <a:schemeClr val="accent1"/>
+          </a:effectRef>
+          <a:fontRef idx="minor">
+            <a:schemeClr val="lt1"/>
+          </a:fontRef>
+        </p:style>
+        <p:txBody>
+          <a:bodyPr rtlCol="0" anchor="ctr"/>
+          <a:lstStyle/>
+          <a:p>
+            <a:pPr algn="ctr"/>
+            <a:r>
+              <a:rPr lang="en-US" dirty="0"/>
+              <a:t>WQI</a:t>
+            </a:r>
+          </a:p>
+        </p:txBody>
+      </p:sp>
+      <p:sp>
+        <p:nvSpPr>
+          <p:cNvPr id="6" name="Rectangle: Rounded Corners 5">
+            <a:extLst>
+              <a:ext uri="{FF2B5EF4-FFF2-40B4-BE49-F238E27FC236}">
+                <a16:creationId xmlns:a16="http://schemas.microsoft.com/office/drawing/2014/main" id="{A1AEF9FB-0EF7-6311-A2DF-1941CE824F16}"/>
+              </a:ext>
+            </a:extLst>
+          </p:cNvPr>
+          <p:cNvSpPr/>
+          <p:nvPr/>
+        </p:nvSpPr>
+        <p:spPr>
+          <a:xfrm>
+            <a:off x="8571799" y="1196502"/>
+            <a:ext cx="1750978" cy="972766"/>
+          </a:xfrm>
+          <a:prstGeom prst="roundRect">
+            <a:avLst/>
+          </a:prstGeom>
+        </p:spPr>
+        <p:style>
+          <a:lnRef idx="2">
+            <a:schemeClr val="accent1">
+              <a:shade val="15000"/>
+            </a:schemeClr>
+          </a:lnRef>
+          <a:fillRef idx="1">
+            <a:schemeClr val="accent1"/>
+          </a:fillRef>
+          <a:effectRef idx="0">
+            <a:schemeClr val="accent1"/>
+          </a:effectRef>
+          <a:fontRef idx="minor">
+            <a:schemeClr val="lt1"/>
+          </a:fontRef>
+        </p:style>
+        <p:txBody>
+          <a:bodyPr rtlCol="0" anchor="ctr"/>
+          <a:lstStyle/>
+          <a:p>
+            <a:pPr algn="ctr"/>
+            <a:r>
+              <a:rPr lang="en-US" dirty="0"/>
+              <a:t>WQP (</a:t>
+            </a:r>
+            <a:r>
+              <a:rPr lang="en-US" dirty="0" err="1"/>
+              <a:t>pH,Sal,Am</a:t>
+            </a:r>
+            <a:r>
+              <a:rPr lang="en-US" dirty="0"/>
+              <a:t>)</a:t>
+            </a:r>
+          </a:p>
+        </p:txBody>
+      </p:sp>
+      <p:sp>
+        <p:nvSpPr>
+          <p:cNvPr id="7" name="Rectangle: Rounded Corners 6">
+            <a:extLst>
+              <a:ext uri="{FF2B5EF4-FFF2-40B4-BE49-F238E27FC236}">
+                <a16:creationId xmlns:a16="http://schemas.microsoft.com/office/drawing/2014/main" id="{22502B80-F8DD-7E4C-E94B-0D11B4DC99AB}"/>
+              </a:ext>
+            </a:extLst>
+          </p:cNvPr>
+          <p:cNvSpPr/>
+          <p:nvPr/>
+        </p:nvSpPr>
+        <p:spPr>
+          <a:xfrm>
+            <a:off x="8305766" y="3437075"/>
+            <a:ext cx="2283043" cy="1071489"/>
+          </a:xfrm>
+          <a:prstGeom prst="roundRect">
+            <a:avLst/>
+          </a:prstGeom>
+        </p:spPr>
+        <p:style>
+          <a:lnRef idx="2">
+            <a:schemeClr val="accent1">
+              <a:shade val="15000"/>
+            </a:schemeClr>
+          </a:lnRef>
+          <a:fillRef idx="1">
+            <a:schemeClr val="accent1"/>
+          </a:fillRef>
+          <a:effectRef idx="0">
+            <a:schemeClr val="accent1"/>
+          </a:effectRef>
+          <a:fontRef idx="minor">
+            <a:schemeClr val="lt1"/>
+          </a:fontRef>
+        </p:style>
+        <p:txBody>
+          <a:bodyPr rtlCol="0" anchor="ctr"/>
+          <a:lstStyle/>
+          <a:p>
+            <a:pPr algn="ctr"/>
+            <a:r>
+              <a:rPr lang="en-US" sz="1800" dirty="0"/>
+              <a:t>Normalized WQI output</a:t>
+            </a:r>
+          </a:p>
+        </p:txBody>
+      </p:sp>
+      <p:sp>
+        <p:nvSpPr>
+          <p:cNvPr id="8" name="Rectangle: Rounded Corners 7">
+            <a:extLst>
+              <a:ext uri="{FF2B5EF4-FFF2-40B4-BE49-F238E27FC236}">
+                <a16:creationId xmlns:a16="http://schemas.microsoft.com/office/drawing/2014/main" id="{8B74622B-A59C-F06A-FD23-E5AC0DF488C1}"/>
+              </a:ext>
+            </a:extLst>
+          </p:cNvPr>
+          <p:cNvSpPr/>
+          <p:nvPr/>
+        </p:nvSpPr>
+        <p:spPr>
+          <a:xfrm>
+            <a:off x="3191775" y="3336900"/>
+            <a:ext cx="2979905" cy="1251878"/>
+          </a:xfrm>
+          <a:prstGeom prst="roundRect">
+            <a:avLst/>
+          </a:prstGeom>
+        </p:spPr>
+        <p:style>
+          <a:lnRef idx="2">
+            <a:schemeClr val="accent1">
+              <a:shade val="15000"/>
+            </a:schemeClr>
+          </a:lnRef>
+          <a:fillRef idx="1">
+            <a:schemeClr val="accent1"/>
+          </a:fillRef>
+          <a:effectRef idx="0">
+            <a:schemeClr val="accent1"/>
+          </a:effectRef>
+          <a:fontRef idx="minor">
+            <a:schemeClr val="lt1"/>
+          </a:fontRef>
+        </p:style>
+        <p:txBody>
+          <a:bodyPr rtlCol="0" anchor="ctr"/>
+          <a:lstStyle/>
+          <a:p>
+            <a:pPr algn="ctr"/>
+            <a:r>
+              <a:rPr lang="en-US" dirty="0"/>
+              <a:t>Bands&gt;&gt;WQI model(SVR)</a:t>
+            </a:r>
+          </a:p>
+        </p:txBody>
+      </p:sp>
+      <p:cxnSp>
+        <p:nvCxnSpPr>
+          <p:cNvPr id="11" name="Straight Arrow Connector 10">
+            <a:extLst>
+              <a:ext uri="{FF2B5EF4-FFF2-40B4-BE49-F238E27FC236}">
+                <a16:creationId xmlns:a16="http://schemas.microsoft.com/office/drawing/2014/main" id="{D2B4F0D2-2870-C63D-3090-FECAD0402176}"/>
+              </a:ext>
+            </a:extLst>
+          </p:cNvPr>
+          <p:cNvCxnSpPr>
+            <a:cxnSpLocks/>
+            <a:stCxn id="6" idx="1"/>
+            <a:endCxn id="5" idx="3"/>
+          </p:cNvCxnSpPr>
+          <p:nvPr/>
+        </p:nvCxnSpPr>
+        <p:spPr>
+          <a:xfrm flipH="1">
+            <a:off x="7047169" y="1682885"/>
+            <a:ext cx="1524630" cy="0"/>
+          </a:xfrm>
+          <a:prstGeom prst="straightConnector1">
+            <a:avLst/>
+          </a:prstGeom>
+          <a:ln>
+            <a:tailEnd type="triangle"/>
+          </a:ln>
+        </p:spPr>
+        <p:style>
+          <a:lnRef idx="1">
+            <a:schemeClr val="accent1"/>
+          </a:lnRef>
+          <a:fillRef idx="0">
+            <a:schemeClr val="accent1"/>
+          </a:fillRef>
+          <a:effectRef idx="0">
+            <a:schemeClr val="accent1"/>
+          </a:effectRef>
+          <a:fontRef idx="minor">
+            <a:schemeClr val="tx1"/>
+          </a:fontRef>
+        </p:style>
+      </p:cxnSp>
+      <p:cxnSp>
+        <p:nvCxnSpPr>
+          <p:cNvPr id="12" name="Straight Arrow Connector 11">
+            <a:extLst>
+              <a:ext uri="{FF2B5EF4-FFF2-40B4-BE49-F238E27FC236}">
+                <a16:creationId xmlns:a16="http://schemas.microsoft.com/office/drawing/2014/main" id="{C24F58EC-A0A2-EEDC-E49D-068A4F295860}"/>
+              </a:ext>
+            </a:extLst>
+          </p:cNvPr>
+          <p:cNvCxnSpPr>
+            <a:cxnSpLocks/>
+            <a:stCxn id="5" idx="2"/>
+            <a:endCxn id="8" idx="0"/>
+          </p:cNvCxnSpPr>
+          <p:nvPr/>
+        </p:nvCxnSpPr>
+        <p:spPr>
+          <a:xfrm flipH="1">
+            <a:off x="4681728" y="2169268"/>
+            <a:ext cx="1489952" cy="1167632"/>
+          </a:xfrm>
+          <a:prstGeom prst="straightConnector1">
+            <a:avLst/>
+          </a:prstGeom>
+          <a:ln>
+            <a:tailEnd type="triangle"/>
+          </a:ln>
+        </p:spPr>
+        <p:style>
+          <a:lnRef idx="1">
+            <a:schemeClr val="accent1"/>
+          </a:lnRef>
+          <a:fillRef idx="0">
+            <a:schemeClr val="accent1"/>
+          </a:fillRef>
+          <a:effectRef idx="0">
+            <a:schemeClr val="accent1"/>
+          </a:effectRef>
+          <a:fontRef idx="minor">
+            <a:schemeClr val="tx1"/>
+          </a:fontRef>
+        </p:style>
+      </p:cxnSp>
+      <p:cxnSp>
+        <p:nvCxnSpPr>
+          <p:cNvPr id="16" name="Straight Arrow Connector 15">
+            <a:extLst>
+              <a:ext uri="{FF2B5EF4-FFF2-40B4-BE49-F238E27FC236}">
+                <a16:creationId xmlns:a16="http://schemas.microsoft.com/office/drawing/2014/main" id="{5FEB787F-CAE0-9F44-D402-24327E58672E}"/>
+              </a:ext>
+            </a:extLst>
+          </p:cNvPr>
+          <p:cNvCxnSpPr>
+            <a:cxnSpLocks/>
+            <a:stCxn id="4" idx="2"/>
+            <a:endCxn id="8" idx="0"/>
+          </p:cNvCxnSpPr>
+          <p:nvPr/>
+        </p:nvCxnSpPr>
+        <p:spPr>
+          <a:xfrm>
+            <a:off x="3736685" y="2224578"/>
+            <a:ext cx="945043" cy="1112322"/>
+          </a:xfrm>
+          <a:prstGeom prst="straightConnector1">
+            <a:avLst/>
+          </a:prstGeom>
+          <a:ln>
+            <a:tailEnd type="triangle"/>
+          </a:ln>
+        </p:spPr>
+        <p:style>
+          <a:lnRef idx="1">
+            <a:schemeClr val="accent1"/>
+          </a:lnRef>
+          <a:fillRef idx="0">
+            <a:schemeClr val="accent1"/>
+          </a:fillRef>
+          <a:effectRef idx="0">
+            <a:schemeClr val="accent1"/>
+          </a:effectRef>
+          <a:fontRef idx="minor">
+            <a:schemeClr val="tx1"/>
+          </a:fontRef>
+        </p:style>
+      </p:cxnSp>
+      <p:cxnSp>
+        <p:nvCxnSpPr>
+          <p:cNvPr id="19" name="Straight Arrow Connector 18">
+            <a:extLst>
+              <a:ext uri="{FF2B5EF4-FFF2-40B4-BE49-F238E27FC236}">
+                <a16:creationId xmlns:a16="http://schemas.microsoft.com/office/drawing/2014/main" id="{F7444D10-4355-E8AF-8105-F9B9FEFDF812}"/>
+              </a:ext>
+            </a:extLst>
+          </p:cNvPr>
+          <p:cNvCxnSpPr>
+            <a:cxnSpLocks/>
+            <a:stCxn id="8" idx="3"/>
+            <a:endCxn id="7" idx="1"/>
+          </p:cNvCxnSpPr>
+          <p:nvPr/>
+        </p:nvCxnSpPr>
+        <p:spPr>
+          <a:xfrm>
+            <a:off x="6171680" y="3962839"/>
+            <a:ext cx="2134086" cy="9981"/>
+          </a:xfrm>
+          <a:prstGeom prst="straightConnector1">
+            <a:avLst/>
+          </a:prstGeom>
+          <a:ln>
+            <a:tailEnd type="triangle"/>
+          </a:ln>
+        </p:spPr>
+        <p:style>
+          <a:lnRef idx="1">
+            <a:schemeClr val="accent1"/>
+          </a:lnRef>
+          <a:fillRef idx="0">
+            <a:schemeClr val="accent1"/>
+          </a:fillRef>
+          <a:effectRef idx="0">
+            <a:schemeClr val="accent1"/>
+          </a:effectRef>
+          <a:fontRef idx="minor">
+            <a:schemeClr val="tx1"/>
+          </a:fontRef>
+        </p:style>
+      </p:cxnSp>
+      <p:sp>
+        <p:nvSpPr>
+          <p:cNvPr id="42" name="TextBox 41">
+            <a:extLst>
+              <a:ext uri="{FF2B5EF4-FFF2-40B4-BE49-F238E27FC236}">
+                <a16:creationId xmlns:a16="http://schemas.microsoft.com/office/drawing/2014/main" id="{E362692E-FCAC-7FF5-7C91-02D0055E41A9}"/>
+              </a:ext>
+            </a:extLst>
+          </p:cNvPr>
+          <p:cNvSpPr txBox="1"/>
+          <p:nvPr/>
+        </p:nvSpPr>
+        <p:spPr>
+          <a:xfrm>
+            <a:off x="5626771" y="2510050"/>
+            <a:ext cx="1213987" cy="523220"/>
+          </a:xfrm>
+          <a:prstGeom prst="rect">
+            <a:avLst/>
+          </a:prstGeom>
+          <a:noFill/>
+        </p:spPr>
+        <p:txBody>
+          <a:bodyPr wrap="none" rtlCol="0">
+            <a:spAutoFit/>
+          </a:bodyPr>
+          <a:lstStyle/>
+          <a:p>
+            <a:r>
+              <a:rPr lang="en-US" sz="1400" dirty="0"/>
+              <a:t>Normalization</a:t>
+            </a:r>
+          </a:p>
+          <a:p>
+            <a:endParaRPr lang="en-US" sz="1400" dirty="0"/>
+          </a:p>
+        </p:txBody>
+      </p:sp>
+      <p:sp>
+        <p:nvSpPr>
+          <p:cNvPr id="48" name="TextBox 47">
+            <a:extLst>
+              <a:ext uri="{FF2B5EF4-FFF2-40B4-BE49-F238E27FC236}">
+                <a16:creationId xmlns:a16="http://schemas.microsoft.com/office/drawing/2014/main" id="{94AC7825-F89E-B3BC-46FA-2EBA199BB0EE}"/>
+              </a:ext>
+            </a:extLst>
+          </p:cNvPr>
+          <p:cNvSpPr txBox="1"/>
+          <p:nvPr/>
+        </p:nvSpPr>
+        <p:spPr>
+          <a:xfrm>
+            <a:off x="2744711" y="3033270"/>
+            <a:ext cx="1892954" cy="523220"/>
+          </a:xfrm>
+          <a:prstGeom prst="rect">
+            <a:avLst/>
+          </a:prstGeom>
+          <a:noFill/>
+        </p:spPr>
+        <p:txBody>
+          <a:bodyPr wrap="none" rtlCol="0">
+            <a:spAutoFit/>
+          </a:bodyPr>
+          <a:lstStyle/>
+          <a:p>
+            <a:r>
+              <a:rPr lang="en-US" sz="1400" dirty="0"/>
+              <a:t>Random test/train split</a:t>
+            </a:r>
+          </a:p>
+          <a:p>
+            <a:endParaRPr lang="en-US" sz="1400" dirty="0"/>
+          </a:p>
+        </p:txBody>
+      </p:sp>
+      <p:sp>
+        <p:nvSpPr>
+          <p:cNvPr id="49" name="TextBox 48">
+            <a:extLst>
+              <a:ext uri="{FF2B5EF4-FFF2-40B4-BE49-F238E27FC236}">
+                <a16:creationId xmlns:a16="http://schemas.microsoft.com/office/drawing/2014/main" id="{70F57FE2-AF47-191B-975E-6647BC4295CC}"/>
+              </a:ext>
+            </a:extLst>
+          </p:cNvPr>
+          <p:cNvSpPr txBox="1"/>
+          <p:nvPr/>
+        </p:nvSpPr>
+        <p:spPr>
+          <a:xfrm>
+            <a:off x="6564644" y="6184689"/>
+            <a:ext cx="1874680" cy="523220"/>
+          </a:xfrm>
+          <a:prstGeom prst="rect">
+            <a:avLst/>
+          </a:prstGeom>
+          <a:noFill/>
+        </p:spPr>
+        <p:txBody>
+          <a:bodyPr wrap="none" rtlCol="0">
+            <a:spAutoFit/>
+          </a:bodyPr>
+          <a:lstStyle/>
+          <a:p>
+            <a:r>
+              <a:rPr lang="en-US" sz="1400" dirty="0"/>
+              <a:t>Random test/train split</a:t>
+            </a:r>
+          </a:p>
+          <a:p>
+            <a:endParaRPr lang="en-US" sz="1400" dirty="0"/>
+          </a:p>
+        </p:txBody>
+      </p:sp>
+      <p:sp>
+        <p:nvSpPr>
+          <p:cNvPr id="3" name="Title 1">
+            <a:extLst>
+              <a:ext uri="{FF2B5EF4-FFF2-40B4-BE49-F238E27FC236}">
+                <a16:creationId xmlns:a16="http://schemas.microsoft.com/office/drawing/2014/main" id="{0CB663A2-34E9-AE26-667B-F8728CDD3306}"/>
+              </a:ext>
+            </a:extLst>
+          </p:cNvPr>
+          <p:cNvSpPr txBox="1">
+            <a:spLocks/>
+          </p:cNvSpPr>
+          <p:nvPr/>
+        </p:nvSpPr>
+        <p:spPr>
+          <a:xfrm>
+            <a:off x="400019" y="-306188"/>
+            <a:ext cx="10515600" cy="1325563"/>
+          </a:xfrm>
+          <a:prstGeom prst="rect">
+            <a:avLst/>
+          </a:prstGeom>
+        </p:spPr>
+        <p:txBody>
+          <a:bodyPr vert="horz" lIns="91440" tIns="45720" rIns="91440" bIns="45720" rtlCol="0" anchor="b">
+            <a:normAutofit/>
+          </a:bodyPr>
+          <a:lstStyle>
+            <a:lvl1pPr algn="ctr" defTabSz="914400" rtl="0" eaLnBrk="1" latinLnBrk="0" hangingPunct="1">
+              <a:lnSpc>
+                <a:spcPct val="90000"/>
+              </a:lnSpc>
+              <a:spcBef>
+                <a:spcPct val="0"/>
+              </a:spcBef>
+              <a:buNone/>
+              <a:defRPr sz="6000" kern="1200">
+                <a:solidFill>
+                  <a:schemeClr val="tx1"/>
+                </a:solidFill>
+                <a:latin typeface="+mj-lt"/>
+                <a:ea typeface="+mj-ea"/>
+                <a:cs typeface="+mj-cs"/>
+              </a:defRPr>
+            </a:lvl1pPr>
+          </a:lstStyle>
+          <a:p>
+            <a:pPr algn="l"/>
+            <a:r>
+              <a:rPr lang="en-US" dirty="0"/>
+              <a:t>WQI model</a:t>
+            </a:r>
+          </a:p>
+        </p:txBody>
+      </p:sp>
+      <p:sp>
+        <p:nvSpPr>
+          <p:cNvPr id="27" name="Rectangle: Rounded Corners 26">
+            <a:extLst>
+              <a:ext uri="{FF2B5EF4-FFF2-40B4-BE49-F238E27FC236}">
+                <a16:creationId xmlns:a16="http://schemas.microsoft.com/office/drawing/2014/main" id="{5BE570F7-63B2-DBF5-162F-39FE5E863181}"/>
+              </a:ext>
+            </a:extLst>
+          </p:cNvPr>
+          <p:cNvSpPr/>
+          <p:nvPr/>
+        </p:nvSpPr>
+        <p:spPr>
+          <a:xfrm>
+            <a:off x="6288756" y="5034328"/>
+            <a:ext cx="2283043" cy="1071489"/>
+          </a:xfrm>
+          <a:prstGeom prst="roundRect">
+            <a:avLst/>
+          </a:prstGeom>
+        </p:spPr>
+        <p:style>
+          <a:lnRef idx="2">
+            <a:schemeClr val="accent1">
+              <a:shade val="15000"/>
+            </a:schemeClr>
+          </a:lnRef>
+          <a:fillRef idx="1">
+            <a:schemeClr val="accent1"/>
+          </a:fillRef>
+          <a:effectRef idx="0">
+            <a:schemeClr val="accent1"/>
+          </a:effectRef>
+          <a:fontRef idx="minor">
+            <a:schemeClr val="lt1"/>
+          </a:fontRef>
+        </p:style>
+        <p:txBody>
+          <a:bodyPr rtlCol="0" anchor="ctr"/>
+          <a:lstStyle/>
+          <a:p>
+            <a:pPr algn="ctr"/>
+            <a:r>
+              <a:rPr lang="en-US" dirty="0"/>
+              <a:t>WQI&gt;&gt;WQP model (</a:t>
+            </a:r>
+            <a:r>
+              <a:rPr lang="en-US" dirty="0" err="1"/>
+              <a:t>pH,Sal,Am</a:t>
+            </a:r>
+            <a:r>
+              <a:rPr lang="en-US" dirty="0"/>
+              <a:t>)</a:t>
+            </a:r>
+          </a:p>
+          <a:p>
+            <a:pPr algn="ctr"/>
+            <a:r>
+              <a:rPr lang="en-US" dirty="0"/>
+              <a:t>(LR)</a:t>
+            </a:r>
+          </a:p>
+        </p:txBody>
+      </p:sp>
+      <p:cxnSp>
+        <p:nvCxnSpPr>
+          <p:cNvPr id="28" name="Straight Arrow Connector 27">
+            <a:extLst>
+              <a:ext uri="{FF2B5EF4-FFF2-40B4-BE49-F238E27FC236}">
+                <a16:creationId xmlns:a16="http://schemas.microsoft.com/office/drawing/2014/main" id="{6CA4C4D6-162E-1E7A-B529-3167E4639ADC}"/>
+              </a:ext>
+            </a:extLst>
+          </p:cNvPr>
+          <p:cNvCxnSpPr>
+            <a:cxnSpLocks/>
+            <a:stCxn id="6" idx="2"/>
+            <a:endCxn id="7" idx="0"/>
+          </p:cNvCxnSpPr>
+          <p:nvPr/>
+        </p:nvCxnSpPr>
+        <p:spPr>
+          <a:xfrm>
+            <a:off x="9447288" y="2169268"/>
+            <a:ext cx="0" cy="1267807"/>
+          </a:xfrm>
+          <a:prstGeom prst="straightConnector1">
+            <a:avLst/>
+          </a:prstGeom>
+          <a:ln>
+            <a:tailEnd type="triangle"/>
+          </a:ln>
+        </p:spPr>
+        <p:style>
+          <a:lnRef idx="1">
+            <a:schemeClr val="accent1"/>
+          </a:lnRef>
+          <a:fillRef idx="0">
+            <a:schemeClr val="accent1"/>
+          </a:fillRef>
+          <a:effectRef idx="0">
+            <a:schemeClr val="accent1"/>
+          </a:effectRef>
+          <a:fontRef idx="minor">
+            <a:schemeClr val="tx1"/>
+          </a:fontRef>
+        </p:style>
+      </p:cxnSp>
+      <p:cxnSp>
+        <p:nvCxnSpPr>
+          <p:cNvPr id="41" name="Connector: Elbow 40">
+            <a:extLst>
+              <a:ext uri="{FF2B5EF4-FFF2-40B4-BE49-F238E27FC236}">
+                <a16:creationId xmlns:a16="http://schemas.microsoft.com/office/drawing/2014/main" id="{E85D4E2A-94DC-D422-4F35-C3E91B015D36}"/>
+              </a:ext>
+            </a:extLst>
+          </p:cNvPr>
+          <p:cNvCxnSpPr>
+            <a:stCxn id="7" idx="2"/>
+            <a:endCxn id="27" idx="3"/>
+          </p:cNvCxnSpPr>
+          <p:nvPr/>
+        </p:nvCxnSpPr>
+        <p:spPr>
+          <a:xfrm rot="5400000">
+            <a:off x="8478790" y="4601574"/>
+            <a:ext cx="1061509" cy="875489"/>
+          </a:xfrm>
+          <a:prstGeom prst="bentConnector2">
+            <a:avLst/>
+          </a:prstGeom>
+          <a:ln>
+            <a:tailEnd type="triangle"/>
+          </a:ln>
+        </p:spPr>
+        <p:style>
+          <a:lnRef idx="1">
+            <a:schemeClr val="accent1"/>
+          </a:lnRef>
+          <a:fillRef idx="0">
+            <a:schemeClr val="accent1"/>
+          </a:fillRef>
+          <a:effectRef idx="0">
+            <a:schemeClr val="accent1"/>
+          </a:effectRef>
+          <a:fontRef idx="minor">
+            <a:schemeClr val="tx1"/>
+          </a:fontRef>
+        </p:style>
+      </p:cxnSp>
+      <p:sp>
+        <p:nvSpPr>
+          <p:cNvPr id="45" name="Rectangle: Rounded Corners 44">
+            <a:extLst>
+              <a:ext uri="{FF2B5EF4-FFF2-40B4-BE49-F238E27FC236}">
+                <a16:creationId xmlns:a16="http://schemas.microsoft.com/office/drawing/2014/main" id="{1369668E-6DA2-86C0-AE9C-5949DE0FEEB6}"/>
+              </a:ext>
+            </a:extLst>
+          </p:cNvPr>
+          <p:cNvSpPr/>
+          <p:nvPr/>
+        </p:nvSpPr>
+        <p:spPr>
+          <a:xfrm>
+            <a:off x="5296191" y="570563"/>
+            <a:ext cx="1750978" cy="321425"/>
+          </a:xfrm>
+          <a:prstGeom prst="roundRect">
+            <a:avLst/>
+          </a:prstGeom>
+        </p:spPr>
+        <p:style>
+          <a:lnRef idx="2">
+            <a:schemeClr val="accent1">
+              <a:shade val="15000"/>
+            </a:schemeClr>
+          </a:lnRef>
+          <a:fillRef idx="1">
+            <a:schemeClr val="accent1"/>
+          </a:fillRef>
+          <a:effectRef idx="0">
+            <a:schemeClr val="accent1"/>
+          </a:effectRef>
+          <a:fontRef idx="minor">
+            <a:schemeClr val="lt1"/>
+          </a:fontRef>
+        </p:style>
+        <p:txBody>
+          <a:bodyPr rtlCol="0" anchor="ctr"/>
+          <a:lstStyle/>
+          <a:p>
+            <a:pPr algn="ctr"/>
+            <a:r>
+              <a:rPr lang="en-US" dirty="0"/>
+              <a:t>Weights</a:t>
+            </a:r>
+          </a:p>
+        </p:txBody>
+      </p:sp>
+      <p:cxnSp>
+        <p:nvCxnSpPr>
+          <p:cNvPr id="46" name="Straight Arrow Connector 45">
+            <a:extLst>
+              <a:ext uri="{FF2B5EF4-FFF2-40B4-BE49-F238E27FC236}">
+                <a16:creationId xmlns:a16="http://schemas.microsoft.com/office/drawing/2014/main" id="{1C973190-5C5A-170A-41B9-753E8278E033}"/>
+              </a:ext>
+            </a:extLst>
+          </p:cNvPr>
+          <p:cNvCxnSpPr>
+            <a:cxnSpLocks/>
+            <a:stCxn id="45" idx="2"/>
+            <a:endCxn id="5" idx="0"/>
+          </p:cNvCxnSpPr>
+          <p:nvPr/>
+        </p:nvCxnSpPr>
+        <p:spPr>
+          <a:xfrm>
+            <a:off x="6171680" y="891988"/>
+            <a:ext cx="0" cy="304514"/>
+          </a:xfrm>
+          <a:prstGeom prst="straightConnector1">
+            <a:avLst/>
+          </a:prstGeom>
+          <a:ln>
+            <a:tailEnd type="triangle"/>
+          </a:ln>
+        </p:spPr>
+        <p:style>
+          <a:lnRef idx="1">
+            <a:schemeClr val="accent1"/>
+          </a:lnRef>
+          <a:fillRef idx="0">
+            <a:schemeClr val="accent1"/>
+          </a:fillRef>
+          <a:effectRef idx="0">
+            <a:schemeClr val="accent1"/>
+          </a:effectRef>
+          <a:fontRef idx="minor">
+            <a:schemeClr val="tx1"/>
+          </a:fontRef>
+        </p:style>
+      </p:cxnSp>
+      <p:sp>
+        <p:nvSpPr>
+          <p:cNvPr id="2" name="TextBox 1">
+            <a:extLst>
+              <a:ext uri="{FF2B5EF4-FFF2-40B4-BE49-F238E27FC236}">
+                <a16:creationId xmlns:a16="http://schemas.microsoft.com/office/drawing/2014/main" id="{210EF6CB-E461-F7C1-C207-CDCE7C0F4DA5}"/>
+              </a:ext>
+            </a:extLst>
+          </p:cNvPr>
+          <p:cNvSpPr txBox="1"/>
+          <p:nvPr/>
+        </p:nvSpPr>
+        <p:spPr>
+          <a:xfrm>
+            <a:off x="2676459" y="2528208"/>
+            <a:ext cx="1213987" cy="523220"/>
+          </a:xfrm>
+          <a:prstGeom prst="rect">
+            <a:avLst/>
+          </a:prstGeom>
+          <a:noFill/>
+        </p:spPr>
+        <p:txBody>
+          <a:bodyPr wrap="none" rtlCol="0">
+            <a:spAutoFit/>
+          </a:bodyPr>
+          <a:lstStyle/>
+          <a:p>
+            <a:r>
+              <a:rPr lang="en-US" sz="1400" dirty="0"/>
+              <a:t>Normalization</a:t>
+            </a:r>
+          </a:p>
+          <a:p>
+            <a:endParaRPr lang="en-US" sz="1400" dirty="0"/>
+          </a:p>
+        </p:txBody>
+      </p:sp>
+    </p:spTree>
+    <p:extLst>
+      <p:ext uri="{BB962C8B-B14F-4D97-AF65-F5344CB8AC3E}">
+        <p14:creationId xmlns:p14="http://schemas.microsoft.com/office/powerpoint/2010/main" val="2507656952"/>
+      </p:ext>
+    </p:extLst>
+  </p:cSld>
+  <p:clrMapOvr>
+    <a:masterClrMapping/>
+  </p:clrMapOvr>
+</p:sld>
+</file>
+
+<file path=ppt/slides/slide6.xml><?xml version="1.0" encoding="utf-8"?>
+<p:sld xmlns:a="http://schemas.openxmlformats.org/drawingml/2006/main" xmlns:r="http://schemas.openxmlformats.org/officeDocument/2006/relationships" xmlns:p="http://schemas.openxmlformats.org/presentationml/2006/main">
+  <p:cSld>
+    <p:spTree>
+      <p:nvGrpSpPr>
+        <p:cNvPr id="1" name=""/>
+        <p:cNvGrpSpPr/>
+        <p:nvPr/>
+      </p:nvGrpSpPr>
+      <p:grpSpPr>
+        <a:xfrm>
+          <a:off x="0" y="0"/>
+          <a:ext cx="0" cy="0"/>
+          <a:chOff x="0" y="0"/>
+          <a:chExt cx="0" cy="0"/>
+        </a:xfrm>
+      </p:grpSpPr>
+      <p:sp>
+        <p:nvSpPr>
+          <p:cNvPr id="2" name="TextBox 1">
+            <a:extLst>
+              <a:ext uri="{FF2B5EF4-FFF2-40B4-BE49-F238E27FC236}">
+                <a16:creationId xmlns:a16="http://schemas.microsoft.com/office/drawing/2014/main" id="{A8C8FCD2-8275-6CEA-D29F-BD382CD12EEE}"/>
+              </a:ext>
+            </a:extLst>
+          </p:cNvPr>
+          <p:cNvSpPr txBox="1"/>
+          <p:nvPr/>
+        </p:nvSpPr>
+        <p:spPr>
+          <a:xfrm>
+            <a:off x="285225" y="385893"/>
+            <a:ext cx="10754686" cy="369332"/>
+          </a:xfrm>
+          <a:prstGeom prst="rect">
+            <a:avLst/>
+          </a:prstGeom>
+          <a:noFill/>
+        </p:spPr>
+        <p:txBody>
+          <a:bodyPr wrap="square" rtlCol="0">
+            <a:spAutoFit/>
+          </a:bodyPr>
+          <a:lstStyle/>
+          <a:p>
+            <a:r>
+              <a:rPr lang="en-US" dirty="0"/>
+              <a:t>Problem with WQI model</a:t>
+            </a:r>
+          </a:p>
+        </p:txBody>
+      </p:sp>
+      <p:sp>
+        <p:nvSpPr>
+          <p:cNvPr id="3" name="TextBox 2">
+            <a:extLst>
+              <a:ext uri="{FF2B5EF4-FFF2-40B4-BE49-F238E27FC236}">
+                <a16:creationId xmlns:a16="http://schemas.microsoft.com/office/drawing/2014/main" id="{AFA8E367-487A-A15D-A357-D1D1778F630B}"/>
+              </a:ext>
+            </a:extLst>
+          </p:cNvPr>
+          <p:cNvSpPr txBox="1"/>
+          <p:nvPr/>
+        </p:nvSpPr>
+        <p:spPr>
+          <a:xfrm>
+            <a:off x="650146" y="2476151"/>
+            <a:ext cx="10754686" cy="3416320"/>
+          </a:xfrm>
+          <a:prstGeom prst="rect">
+            <a:avLst/>
+          </a:prstGeom>
+          <a:noFill/>
+        </p:spPr>
+        <p:txBody>
+          <a:bodyPr wrap="square" rtlCol="0">
+            <a:spAutoFit/>
+          </a:bodyPr>
+          <a:lstStyle/>
+          <a:p>
+            <a:endParaRPr lang="en-US" dirty="0"/>
+          </a:p>
+          <a:p>
+            <a:pPr marL="285750" indent="-285750">
+              <a:buFont typeface="Arial" panose="020B0604020202020204" pitchFamily="34" charset="0"/>
+              <a:buChar char="•"/>
+            </a:pPr>
+            <a:r>
+              <a:rPr lang="en-US" dirty="0"/>
+              <a:t>Large dataset with high variation of is better model fitting </a:t>
+            </a:r>
+          </a:p>
+          <a:p>
+            <a:pPr marL="285750" indent="-285750">
+              <a:buFont typeface="Arial" panose="020B0604020202020204" pitchFamily="34" charset="0"/>
+              <a:buChar char="•"/>
+            </a:pPr>
+            <a:endParaRPr lang="en-US" dirty="0"/>
+          </a:p>
+          <a:p>
+            <a:pPr marL="285750" indent="-285750">
+              <a:buFont typeface="Arial" panose="020B0604020202020204" pitchFamily="34" charset="0"/>
+              <a:buChar char="•"/>
+            </a:pPr>
+            <a:r>
+              <a:rPr lang="en-US" dirty="0"/>
+              <a:t>Some effect of outliers(not drastic)</a:t>
+            </a:r>
+          </a:p>
+          <a:p>
+            <a:pPr marL="285750" indent="-285750">
+              <a:buFont typeface="Arial" panose="020B0604020202020204" pitchFamily="34" charset="0"/>
+              <a:buChar char="•"/>
+            </a:pPr>
+            <a:endParaRPr lang="en-US" dirty="0"/>
+          </a:p>
+          <a:p>
+            <a:pPr marL="285750" indent="-285750">
+              <a:buFont typeface="Arial" panose="020B0604020202020204" pitchFamily="34" charset="0"/>
+              <a:buChar char="•"/>
+            </a:pPr>
+            <a:r>
+              <a:rPr lang="en-US" dirty="0"/>
+              <a:t>Interdependency of WQP</a:t>
+            </a:r>
+          </a:p>
+          <a:p>
+            <a:pPr marL="285750" indent="-285750">
+              <a:buFont typeface="Arial" panose="020B0604020202020204" pitchFamily="34" charset="0"/>
+              <a:buChar char="•"/>
+            </a:pPr>
+            <a:endParaRPr lang="en-US" dirty="0"/>
+          </a:p>
+          <a:p>
+            <a:pPr marL="285750" indent="-285750">
+              <a:buFont typeface="Arial" panose="020B0604020202020204" pitchFamily="34" charset="0"/>
+              <a:buChar char="•"/>
+            </a:pPr>
+            <a:r>
+              <a:rPr lang="en-US" dirty="0"/>
+              <a:t>Scalability  of the model, where each WQP can be model based on WQI for better result after understanding relation between them</a:t>
+            </a:r>
+          </a:p>
+          <a:p>
+            <a:pPr marL="285750" indent="-285750">
+              <a:buFont typeface="Arial" panose="020B0604020202020204" pitchFamily="34" charset="0"/>
+              <a:buChar char="•"/>
+            </a:pPr>
+            <a:endParaRPr lang="en-US" dirty="0"/>
+          </a:p>
+          <a:p>
+            <a:pPr marL="285750" indent="-285750">
+              <a:buFont typeface="Arial" panose="020B0604020202020204" pitchFamily="34" charset="0"/>
+              <a:buChar char="•"/>
+            </a:pPr>
+            <a:r>
+              <a:rPr lang="en-US" dirty="0"/>
+              <a:t>Choice of selecting WQI estimation method, like Advantage of deciding the weights</a:t>
+            </a:r>
+          </a:p>
+          <a:p>
+            <a:pPr marL="285750" indent="-285750">
+              <a:buFont typeface="Arial" panose="020B0604020202020204" pitchFamily="34" charset="0"/>
+              <a:buChar char="•"/>
+            </a:pPr>
+            <a:endParaRPr lang="en-US" dirty="0"/>
+          </a:p>
+        </p:txBody>
+      </p:sp>
+      <p:sp>
+        <p:nvSpPr>
+          <p:cNvPr id="4" name="TextBox 3">
+            <a:extLst>
+              <a:ext uri="{FF2B5EF4-FFF2-40B4-BE49-F238E27FC236}">
+                <a16:creationId xmlns:a16="http://schemas.microsoft.com/office/drawing/2014/main" id="{0FFE1D6C-4282-87BF-C457-1673E1C6A94A}"/>
+              </a:ext>
+            </a:extLst>
+          </p:cNvPr>
+          <p:cNvSpPr txBox="1"/>
+          <p:nvPr/>
+        </p:nvSpPr>
+        <p:spPr>
+          <a:xfrm>
+            <a:off x="650146" y="755225"/>
+            <a:ext cx="10695963" cy="369332"/>
+          </a:xfrm>
+          <a:prstGeom prst="rect">
+            <a:avLst/>
+          </a:prstGeom>
+          <a:noFill/>
+        </p:spPr>
+        <p:txBody>
+          <a:bodyPr wrap="square" rtlCol="0">
+            <a:spAutoFit/>
+          </a:bodyPr>
+          <a:lstStyle/>
+          <a:p>
+            <a:pPr marL="285750" indent="-285750">
+              <a:buFont typeface="Arial" panose="020B0604020202020204" pitchFamily="34" charset="0"/>
+              <a:buChar char="•"/>
+            </a:pPr>
+            <a:r>
+              <a:rPr lang="en-US" dirty="0"/>
+              <a:t>This model is  complex</a:t>
+            </a:r>
+          </a:p>
+        </p:txBody>
+      </p:sp>
+      <p:sp>
+        <p:nvSpPr>
+          <p:cNvPr id="5" name="TextBox 4">
+            <a:extLst>
+              <a:ext uri="{FF2B5EF4-FFF2-40B4-BE49-F238E27FC236}">
+                <a16:creationId xmlns:a16="http://schemas.microsoft.com/office/drawing/2014/main" id="{8C7FF760-2DF3-1DEE-A3B6-40BDFB141A0F}"/>
+              </a:ext>
+            </a:extLst>
+          </p:cNvPr>
+          <p:cNvSpPr txBox="1"/>
+          <p:nvPr/>
+        </p:nvSpPr>
+        <p:spPr>
+          <a:xfrm>
+            <a:off x="285225" y="1858354"/>
+            <a:ext cx="10712741" cy="369332"/>
+          </a:xfrm>
+          <a:prstGeom prst="rect">
+            <a:avLst/>
+          </a:prstGeom>
+          <a:noFill/>
+        </p:spPr>
+        <p:txBody>
+          <a:bodyPr wrap="square" rtlCol="0">
+            <a:spAutoFit/>
+          </a:bodyPr>
+          <a:lstStyle/>
+          <a:p>
+            <a:r>
+              <a:rPr lang="en-US" dirty="0"/>
+              <a:t>Advantage of WQI  model</a:t>
+            </a:r>
+          </a:p>
+        </p:txBody>
+      </p:sp>
+    </p:spTree>
+    <p:extLst>
+      <p:ext uri="{BB962C8B-B14F-4D97-AF65-F5344CB8AC3E}">
+        <p14:creationId xmlns:p14="http://schemas.microsoft.com/office/powerpoint/2010/main" val="2828587341"/>
+      </p:ext>
+    </p:extLst>
+  </p:cSld>
+  <p:clrMapOvr>
+    <a:masterClrMapping/>
+  </p:clrMapOvr>
+</p:sld>
+</file>
+
+<file path=ppt/slides/slide7.xml><?xml version="1.0" encoding="utf-8"?>
+<p:sld xmlns:a="http://schemas.openxmlformats.org/drawingml/2006/main" xmlns:r="http://schemas.openxmlformats.org/officeDocument/2006/relationships" xmlns:p="http://schemas.openxmlformats.org/presentationml/2006/main">
+  <p:cSld>
+    <p:spTree>
+      <p:nvGrpSpPr>
+        <p:cNvPr id="1" name=""/>
+        <p:cNvGrpSpPr/>
+        <p:nvPr/>
+      </p:nvGrpSpPr>
+      <p:grpSpPr>
+        <a:xfrm>
+          <a:off x="0" y="0"/>
+          <a:ext cx="0" cy="0"/>
+          <a:chOff x="0" y="0"/>
+          <a:chExt cx="0" cy="0"/>
+        </a:xfrm>
+      </p:grpSpPr>
+      <p:sp>
+        <p:nvSpPr>
+          <p:cNvPr id="4" name="Title 3">
+            <a:extLst>
+              <a:ext uri="{FF2B5EF4-FFF2-40B4-BE49-F238E27FC236}">
+                <a16:creationId xmlns:a16="http://schemas.microsoft.com/office/drawing/2014/main" id="{6FA2E7E4-C178-A140-D097-05B3B2DBB1B6}"/>
+              </a:ext>
+            </a:extLst>
+          </p:cNvPr>
+          <p:cNvSpPr>
+            <a:spLocks noGrp="1"/>
+          </p:cNvSpPr>
+          <p:nvPr>
+            <p:ph type="title"/>
+          </p:nvPr>
+        </p:nvSpPr>
+        <p:spPr>
+          <a:xfrm>
+            <a:off x="838200" y="348347"/>
+            <a:ext cx="10515600" cy="1325563"/>
+          </a:xfrm>
+        </p:spPr>
+        <p:txBody>
+          <a:bodyPr>
+            <a:normAutofit/>
+          </a:bodyPr>
+          <a:lstStyle/>
+          <a:p>
+            <a:r>
+              <a:rPr lang="en-US" sz="3200" dirty="0"/>
+              <a:t>Results with recent data(</a:t>
+            </a:r>
+            <a:r>
+              <a:rPr lang="en-US" sz="3200" dirty="0" err="1"/>
+              <a:t>AvantiCombined_NSR</a:t>
+            </a:r>
+            <a:r>
+              <a:rPr lang="en-US" sz="3200" dirty="0"/>
+              <a:t>) with random train and test spilt</a:t>
+            </a:r>
+          </a:p>
+        </p:txBody>
+      </p:sp>
+      <p:graphicFrame>
+        <p:nvGraphicFramePr>
+          <p:cNvPr id="5" name="Table 5">
+            <a:extLst>
+              <a:ext uri="{FF2B5EF4-FFF2-40B4-BE49-F238E27FC236}">
+                <a16:creationId xmlns:a16="http://schemas.microsoft.com/office/drawing/2014/main" id="{0A0DACCE-B855-B33C-B61E-1CC6C773C14E}"/>
+              </a:ext>
+            </a:extLst>
+          </p:cNvPr>
+          <p:cNvGraphicFramePr>
+            <a:graphicFrameLocks noGrp="1"/>
+          </p:cNvGraphicFramePr>
+          <p:nvPr>
+            <p:extLst>
+              <p:ext uri="{D42A27DB-BD31-4B8C-83A1-F6EECF244321}">
+                <p14:modId xmlns:p14="http://schemas.microsoft.com/office/powerpoint/2010/main" val="1068402249"/>
+              </p:ext>
+            </p:extLst>
+          </p:nvPr>
+        </p:nvGraphicFramePr>
+        <p:xfrm>
+          <a:off x="1763552" y="3043417"/>
+          <a:ext cx="8128001" cy="1550534"/>
+        </p:xfrm>
+        <a:graphic>
+          <a:graphicData uri="http://schemas.openxmlformats.org/drawingml/2006/table">
+            <a:tbl>
+              <a:tblPr firstRow="1" bandRow="1">
+                <a:tableStyleId>{5C22544A-7EE6-4342-B048-85BDC9FD1C3A}</a:tableStyleId>
+              </a:tblPr>
+              <a:tblGrid>
+                <a:gridCol w="2709333">
+                  <a:extLst>
+                    <a:ext uri="{9D8B030D-6E8A-4147-A177-3AD203B41FA5}">
+                      <a16:colId xmlns:a16="http://schemas.microsoft.com/office/drawing/2014/main" val="1764561062"/>
+                    </a:ext>
+                  </a:extLst>
+                </a:gridCol>
+                <a:gridCol w="1354667">
+                  <a:extLst>
+                    <a:ext uri="{9D8B030D-6E8A-4147-A177-3AD203B41FA5}">
+                      <a16:colId xmlns:a16="http://schemas.microsoft.com/office/drawing/2014/main" val="2955854805"/>
+                    </a:ext>
+                  </a:extLst>
+                </a:gridCol>
+                <a:gridCol w="1354667">
+                  <a:extLst>
+                    <a:ext uri="{9D8B030D-6E8A-4147-A177-3AD203B41FA5}">
+                      <a16:colId xmlns:a16="http://schemas.microsoft.com/office/drawing/2014/main" val="1969195572"/>
+                    </a:ext>
+                  </a:extLst>
+                </a:gridCol>
+                <a:gridCol w="1354667">
+                  <a:extLst>
+                    <a:ext uri="{9D8B030D-6E8A-4147-A177-3AD203B41FA5}">
+                      <a16:colId xmlns:a16="http://schemas.microsoft.com/office/drawing/2014/main" val="2587925861"/>
+                    </a:ext>
+                  </a:extLst>
+                </a:gridCol>
+                <a:gridCol w="1354667">
+                  <a:extLst>
+                    <a:ext uri="{9D8B030D-6E8A-4147-A177-3AD203B41FA5}">
+                      <a16:colId xmlns:a16="http://schemas.microsoft.com/office/drawing/2014/main" val="3914113703"/>
+                    </a:ext>
+                  </a:extLst>
+                </a:gridCol>
+              </a:tblGrid>
+              <a:tr h="438014">
+                <a:tc>
+                  <a:txBody>
+                    <a:bodyPr/>
+                    <a:lstStyle/>
+                    <a:p>
+                      <a:r>
+                        <a:rPr lang="en-US" spc="0" baseline="0" dirty="0">
+                          <a:latin typeface="+mj-lt"/>
+                        </a:rPr>
+                        <a:t>parameters</a:t>
+                      </a:r>
+                    </a:p>
+                  </a:txBody>
+                  <a:tcPr/>
+                </a:tc>
+                <a:tc gridSpan="2">
+                  <a:txBody>
+                    <a:bodyPr/>
+                    <a:lstStyle/>
+                    <a:p>
+                      <a:r>
+                        <a:rPr lang="en-US" spc="0" baseline="0" dirty="0">
+                          <a:latin typeface="+mj-lt"/>
+                        </a:rPr>
+                        <a:t>WQI (WQI&gt;&gt;WQP)</a:t>
+                      </a:r>
+                    </a:p>
+                  </a:txBody>
+                  <a:tcPr/>
+                </a:tc>
+                <a:tc hMerge="1">
+                  <a:txBody>
+                    <a:bodyPr/>
+                    <a:lstStyle/>
+                    <a:p>
+                      <a:endParaRPr lang="en-US"/>
+                    </a:p>
+                  </a:txBody>
+                  <a:tcPr/>
+                </a:tc>
+                <a:tc gridSpan="2">
+                  <a:txBody>
+                    <a:bodyPr/>
+                    <a:lstStyle/>
+                    <a:p>
+                      <a:pPr marL="0" marR="0" lvl="0" indent="0" algn="l" defTabSz="914400" rtl="0" eaLnBrk="1" fontAlgn="auto" latinLnBrk="0" hangingPunct="1">
+                        <a:lnSpc>
+                          <a:spcPct val="100000"/>
+                        </a:lnSpc>
+                        <a:spcBef>
+                          <a:spcPts val="0"/>
+                        </a:spcBef>
+                        <a:spcAft>
+                          <a:spcPts val="0"/>
+                        </a:spcAft>
+                        <a:buClrTx/>
+                        <a:buSzTx/>
+                        <a:buFontTx/>
+                        <a:buNone/>
+                        <a:tabLst/>
+                        <a:defRPr/>
+                      </a:pPr>
+                      <a:r>
+                        <a:rPr lang="en-US" spc="0" baseline="0" dirty="0">
+                          <a:latin typeface="+mj-lt"/>
+                        </a:rPr>
+                        <a:t>base line</a:t>
+                      </a:r>
+                    </a:p>
+                  </a:txBody>
+                  <a:tcPr/>
+                </a:tc>
+                <a:tc hMerge="1">
+                  <a:txBody>
+                    <a:bodyPr/>
+                    <a:lstStyle/>
+                    <a:p>
+                      <a:endParaRPr lang="en-US"/>
+                    </a:p>
+                  </a:txBody>
+                  <a:tcPr/>
+                </a:tc>
+                <a:extLst>
+                  <a:ext uri="{0D108BD9-81ED-4DB2-BD59-A6C34878D82A}">
+                    <a16:rowId xmlns:a16="http://schemas.microsoft.com/office/drawing/2014/main" val="1702756913"/>
+                  </a:ext>
+                </a:extLst>
+              </a:tr>
+              <a:tr h="370840">
+                <a:tc>
+                  <a:txBody>
+                    <a:bodyPr/>
+                    <a:lstStyle/>
+                    <a:p>
+                      <a:r>
+                        <a:rPr lang="en-US" spc="0" baseline="0" dirty="0">
+                          <a:latin typeface="+mj-lt"/>
+                        </a:rPr>
+                        <a:t>pH</a:t>
+                      </a:r>
+                    </a:p>
+                  </a:txBody>
+                  <a:tcPr/>
+                </a:tc>
+                <a:tc>
+                  <a:txBody>
+                    <a:bodyPr/>
+                    <a:lstStyle/>
+                    <a:p>
+                      <a:r>
+                        <a:rPr lang="en-US" spc="0" baseline="0" dirty="0">
+                          <a:latin typeface="+mj-lt"/>
+                        </a:rPr>
+                        <a:t>0.19</a:t>
+                      </a:r>
+                    </a:p>
+                  </a:txBody>
+                  <a:tcPr/>
+                </a:tc>
+                <a:tc>
+                  <a:txBody>
+                    <a:bodyPr/>
+                    <a:lstStyle/>
+                    <a:p>
+                      <a:r>
+                        <a:rPr lang="en-US" spc="0" baseline="0" dirty="0">
+                          <a:latin typeface="+mj-lt"/>
+                        </a:rPr>
+                        <a:t>0.71</a:t>
+                      </a:r>
+                    </a:p>
+                  </a:txBody>
+                  <a:tcPr/>
+                </a:tc>
+                <a:tc>
+                  <a:txBody>
+                    <a:bodyPr/>
+                    <a:lstStyle/>
+                    <a:p>
+                      <a:r>
+                        <a:rPr lang="en-US" spc="0" baseline="0" dirty="0">
+                          <a:latin typeface="+mj-lt"/>
+                        </a:rPr>
+                        <a:t>0.24</a:t>
+                      </a:r>
+                    </a:p>
+                  </a:txBody>
+                  <a:tcPr/>
+                </a:tc>
+                <a:tc>
+                  <a:txBody>
+                    <a:bodyPr/>
+                    <a:lstStyle/>
+                    <a:p>
+                      <a:r>
+                        <a:rPr lang="en-US" spc="0" baseline="0" dirty="0">
+                          <a:latin typeface="+mj-lt"/>
+                        </a:rPr>
+                        <a:t>0.52</a:t>
+                      </a:r>
+                    </a:p>
+                  </a:txBody>
+                  <a:tcPr/>
+                </a:tc>
+                <a:extLst>
+                  <a:ext uri="{0D108BD9-81ED-4DB2-BD59-A6C34878D82A}">
+                    <a16:rowId xmlns:a16="http://schemas.microsoft.com/office/drawing/2014/main" val="3400170131"/>
+                  </a:ext>
+                </a:extLst>
+              </a:tr>
+              <a:tr h="370840">
+                <a:tc>
+                  <a:txBody>
+                    <a:bodyPr/>
+                    <a:lstStyle/>
+                    <a:p>
+                      <a:r>
+                        <a:rPr lang="en-US" spc="0" baseline="0" dirty="0">
+                          <a:latin typeface="+mj-lt"/>
+                        </a:rPr>
+                        <a:t>Salinity</a:t>
+                      </a:r>
+                    </a:p>
+                  </a:txBody>
+                  <a:tcPr/>
+                </a:tc>
+                <a:tc>
+                  <a:txBody>
+                    <a:bodyPr/>
+                    <a:lstStyle/>
+                    <a:p>
+                      <a:r>
+                        <a:rPr lang="en-US" spc="0" baseline="0" dirty="0">
+                          <a:latin typeface="+mj-lt"/>
+                        </a:rPr>
+                        <a:t>1.5</a:t>
+                      </a:r>
+                    </a:p>
+                  </a:txBody>
+                  <a:tcPr/>
+                </a:tc>
+                <a:tc>
+                  <a:txBody>
+                    <a:bodyPr/>
+                    <a:lstStyle/>
+                    <a:p>
+                      <a:r>
+                        <a:rPr lang="en-US" spc="0" baseline="0" dirty="0">
+                          <a:latin typeface="+mj-lt"/>
+                        </a:rPr>
+                        <a:t>0.9</a:t>
+                      </a:r>
+                    </a:p>
+                  </a:txBody>
+                  <a:tcPr/>
+                </a:tc>
+                <a:tc>
+                  <a:txBody>
+                    <a:bodyPr/>
+                    <a:lstStyle/>
+                    <a:p>
+                      <a:r>
+                        <a:rPr lang="en-US" spc="0" baseline="0" dirty="0">
+                          <a:latin typeface="+mj-lt"/>
+                        </a:rPr>
+                        <a:t>1.7</a:t>
+                      </a:r>
+                    </a:p>
+                  </a:txBody>
+                  <a:tcPr/>
+                </a:tc>
+                <a:tc>
+                  <a:txBody>
+                    <a:bodyPr/>
+                    <a:lstStyle/>
+                    <a:p>
+                      <a:r>
+                        <a:rPr lang="en-US" spc="0" baseline="0" dirty="0">
+                          <a:latin typeface="+mj-lt"/>
+                        </a:rPr>
+                        <a:t>0.83</a:t>
+                      </a:r>
+                    </a:p>
+                  </a:txBody>
+                  <a:tcPr/>
+                </a:tc>
+                <a:extLst>
+                  <a:ext uri="{0D108BD9-81ED-4DB2-BD59-A6C34878D82A}">
+                    <a16:rowId xmlns:a16="http://schemas.microsoft.com/office/drawing/2014/main" val="1552267838"/>
+                  </a:ext>
+                </a:extLst>
+              </a:tr>
+              <a:tr h="370840">
+                <a:tc>
+                  <a:txBody>
+                    <a:bodyPr/>
+                    <a:lstStyle/>
+                    <a:p>
+                      <a:r>
+                        <a:rPr lang="en-US" spc="0" baseline="0" dirty="0">
+                          <a:latin typeface="+mj-lt"/>
+                        </a:rPr>
+                        <a:t>Ammonia</a:t>
+                      </a:r>
+                    </a:p>
+                  </a:txBody>
+                  <a:tcPr/>
+                </a:tc>
+                <a:tc>
+                  <a:txBody>
+                    <a:bodyPr/>
+                    <a:lstStyle/>
+                    <a:p>
+                      <a:pPr marL="0" marR="0" lvl="0" indent="0" algn="l" defTabSz="914400" rtl="0" eaLnBrk="1" fontAlgn="auto" latinLnBrk="0" hangingPunct="1">
+                        <a:lnSpc>
+                          <a:spcPct val="100000"/>
+                        </a:lnSpc>
+                        <a:spcBef>
+                          <a:spcPts val="0"/>
+                        </a:spcBef>
+                        <a:spcAft>
+                          <a:spcPts val="0"/>
+                        </a:spcAft>
+                        <a:buClrTx/>
+                        <a:buSzTx/>
+                        <a:buFontTx/>
+                        <a:buNone/>
+                        <a:tabLst/>
+                        <a:defRPr/>
+                      </a:pPr>
+                      <a:r>
+                        <a:rPr lang="en-US" spc="0" baseline="0" dirty="0">
+                          <a:latin typeface="+mj-lt"/>
+                        </a:rPr>
+                        <a:t>0.027</a:t>
+                      </a:r>
+                    </a:p>
+                  </a:txBody>
+                  <a:tcPr/>
+                </a:tc>
+                <a:tc>
+                  <a:txBody>
+                    <a:bodyPr/>
+                    <a:lstStyle/>
+                    <a:p>
+                      <a:r>
+                        <a:rPr lang="en-US" spc="0" baseline="0" dirty="0">
+                          <a:latin typeface="+mj-lt"/>
+                        </a:rPr>
+                        <a:t>0.2</a:t>
+                      </a:r>
+                    </a:p>
+                  </a:txBody>
+                  <a:tcPr/>
+                </a:tc>
+                <a:tc>
+                  <a:txBody>
+                    <a:bodyPr/>
+                    <a:lstStyle/>
+                    <a:p>
+                      <a:r>
+                        <a:rPr lang="en-US" spc="0" baseline="0" dirty="0">
+                          <a:latin typeface="+mj-lt"/>
+                        </a:rPr>
+                        <a:t>0.021</a:t>
+                      </a:r>
+                    </a:p>
+                  </a:txBody>
+                  <a:tcPr/>
+                </a:tc>
+                <a:tc>
+                  <a:txBody>
+                    <a:bodyPr/>
+                    <a:lstStyle/>
+                    <a:p>
+                      <a:r>
+                        <a:rPr lang="en-US" spc="0" baseline="0" dirty="0">
+                          <a:latin typeface="+mj-lt"/>
+                        </a:rPr>
+                        <a:t>0.444</a:t>
+                      </a:r>
+                    </a:p>
+                  </a:txBody>
+                  <a:tcPr/>
+                </a:tc>
+                <a:extLst>
+                  <a:ext uri="{0D108BD9-81ED-4DB2-BD59-A6C34878D82A}">
+                    <a16:rowId xmlns:a16="http://schemas.microsoft.com/office/drawing/2014/main" val="1988067437"/>
+                  </a:ext>
+                </a:extLst>
+              </a:tr>
+            </a:tbl>
+          </a:graphicData>
+        </a:graphic>
+      </p:graphicFrame>
+      <p:sp>
+        <p:nvSpPr>
+          <p:cNvPr id="2" name="TextBox 1">
+            <a:extLst>
+              <a:ext uri="{FF2B5EF4-FFF2-40B4-BE49-F238E27FC236}">
+                <a16:creationId xmlns:a16="http://schemas.microsoft.com/office/drawing/2014/main" id="{54BEF3FD-11A8-ED9A-3782-3577BB3ED4F9}"/>
+              </a:ext>
+            </a:extLst>
+          </p:cNvPr>
+          <p:cNvSpPr txBox="1"/>
+          <p:nvPr/>
+        </p:nvSpPr>
+        <p:spPr>
+          <a:xfrm>
+            <a:off x="1977125" y="2101977"/>
+            <a:ext cx="6614808" cy="369332"/>
+          </a:xfrm>
+          <a:prstGeom prst="rect">
+            <a:avLst/>
+          </a:prstGeom>
+          <a:noFill/>
+        </p:spPr>
+        <p:txBody>
+          <a:bodyPr wrap="square" rtlCol="0">
+            <a:spAutoFit/>
+          </a:bodyPr>
+          <a:lstStyle/>
+          <a:p>
+            <a:r>
+              <a:rPr lang="en-US" dirty="0">
+                <a:latin typeface="+mj-lt"/>
+              </a:rPr>
+              <a:t>WQI model(bands &gt;&gt;WQI) = MAE 0.115  R2 =0.76</a:t>
+            </a:r>
+          </a:p>
+        </p:txBody>
+      </p:sp>
+    </p:spTree>
+    <p:extLst>
+      <p:ext uri="{BB962C8B-B14F-4D97-AF65-F5344CB8AC3E}">
+        <p14:creationId xmlns:p14="http://schemas.microsoft.com/office/powerpoint/2010/main" val="2143270044"/>
+      </p:ext>
+    </p:extLst>
+  </p:cSld>
+  <p:clrMapOvr>
+    <a:masterClrMapping/>
+  </p:clrMapOvr>
+</p:sld>
+</file>
+
+<file path=ppt/slides/slide8.xml><?xml version="1.0" encoding="utf-8"?>
+<p:sld xmlns:a="http://schemas.openxmlformats.org/drawingml/2006/main" xmlns:r="http://schemas.openxmlformats.org/officeDocument/2006/relationships" xmlns:p="http://schemas.openxmlformats.org/presentationml/2006/main">
+  <p:cSld>
+    <p:spTree>
+      <p:nvGrpSpPr>
+        <p:cNvPr id="1" name=""/>
+        <p:cNvGrpSpPr/>
+        <p:nvPr/>
+      </p:nvGrpSpPr>
+      <p:grpSpPr>
+        <a:xfrm>
+          <a:off x="0" y="0"/>
+          <a:ext cx="0" cy="0"/>
+          <a:chOff x="0" y="0"/>
+          <a:chExt cx="0" cy="0"/>
+        </a:xfrm>
+      </p:grpSpPr>
+      <p:sp>
+        <p:nvSpPr>
+          <p:cNvPr id="2" name="Title 1">
+            <a:extLst>
+              <a:ext uri="{FF2B5EF4-FFF2-40B4-BE49-F238E27FC236}">
+                <a16:creationId xmlns:a16="http://schemas.microsoft.com/office/drawing/2014/main" id="{E081BD5C-00EB-0B1E-B9D1-D892761D64AF}"/>
+              </a:ext>
+            </a:extLst>
+          </p:cNvPr>
+          <p:cNvSpPr>
+            <a:spLocks noGrp="1"/>
+          </p:cNvSpPr>
+          <p:nvPr>
+            <p:ph type="title"/>
+          </p:nvPr>
+        </p:nvSpPr>
+        <p:spPr>
+          <a:xfrm>
+            <a:off x="254541" y="-121258"/>
+            <a:ext cx="10515600" cy="1325563"/>
+          </a:xfrm>
+        </p:spPr>
+        <p:txBody>
+          <a:bodyPr/>
+          <a:lstStyle/>
+          <a:p>
+            <a:r>
+              <a:rPr lang="en-US" dirty="0"/>
+              <a:t>WQP estimation using DL and </a:t>
+            </a:r>
+            <a:r>
+              <a:rPr lang="en-US" dirty="0" err="1"/>
+              <a:t>PlanetScope</a:t>
+            </a:r>
+            <a:endParaRPr lang="en-US" dirty="0"/>
+          </a:p>
+        </p:txBody>
+      </p:sp>
+      <p:pic>
+        <p:nvPicPr>
+          <p:cNvPr id="4" name="Picture 3" descr="A screenshot of a computer program&#10;&#10;Description automatically generated">
+            <a:extLst>
+              <a:ext uri="{FF2B5EF4-FFF2-40B4-BE49-F238E27FC236}">
+                <a16:creationId xmlns:a16="http://schemas.microsoft.com/office/drawing/2014/main" id="{C798A160-CE6F-D8DF-8063-142CFA511F86}"/>
+              </a:ext>
+            </a:extLst>
+          </p:cNvPr>
+          <p:cNvPicPr>
+            <a:picLocks noChangeAspect="1"/>
+          </p:cNvPicPr>
+          <p:nvPr/>
+        </p:nvPicPr>
+        <p:blipFill>
+          <a:blip r:embed="rId2">
+            <a:extLst>
+              <a:ext uri="{28A0092B-C50C-407E-A947-70E740481C1C}">
+                <a14:useLocalDpi xmlns:a14="http://schemas.microsoft.com/office/drawing/2010/main" val="0"/>
+              </a:ext>
+            </a:extLst>
+          </a:blip>
+          <a:stretch>
+            <a:fillRect/>
+          </a:stretch>
+        </p:blipFill>
+        <p:spPr>
+          <a:xfrm>
+            <a:off x="5512341" y="2828286"/>
+            <a:ext cx="5403048" cy="4107536"/>
+          </a:xfrm>
+          <a:prstGeom prst="rect">
+            <a:avLst/>
+          </a:prstGeom>
+        </p:spPr>
+      </p:pic>
+      <p:pic>
+        <p:nvPicPr>
+          <p:cNvPr id="6" name="Picture 5" descr="A screenshot of a computer program&#10;&#10;Description automatically generated">
+            <a:extLst>
+              <a:ext uri="{FF2B5EF4-FFF2-40B4-BE49-F238E27FC236}">
+                <a16:creationId xmlns:a16="http://schemas.microsoft.com/office/drawing/2014/main" id="{2FF6E652-8AF4-13DE-59E3-7577EBC23281}"/>
+              </a:ext>
+            </a:extLst>
+          </p:cNvPr>
+          <p:cNvPicPr>
+            <a:picLocks noChangeAspect="1"/>
+          </p:cNvPicPr>
+          <p:nvPr/>
+        </p:nvPicPr>
+        <p:blipFill>
+          <a:blip r:embed="rId3">
+            <a:extLst>
+              <a:ext uri="{28A0092B-C50C-407E-A947-70E740481C1C}">
+                <a14:useLocalDpi xmlns:a14="http://schemas.microsoft.com/office/drawing/2010/main" val="0"/>
+              </a:ext>
+            </a:extLst>
+          </a:blip>
+          <a:stretch>
+            <a:fillRect/>
+          </a:stretch>
+        </p:blipFill>
+        <p:spPr>
+          <a:xfrm>
+            <a:off x="80186" y="1158587"/>
+            <a:ext cx="4732430" cy="5699414"/>
+          </a:xfrm>
+          <a:prstGeom prst="rect">
+            <a:avLst/>
+          </a:prstGeom>
+        </p:spPr>
+      </p:pic>
+      <p:sp>
+        <p:nvSpPr>
+          <p:cNvPr id="7" name="TextBox 6">
+            <a:extLst>
+              <a:ext uri="{FF2B5EF4-FFF2-40B4-BE49-F238E27FC236}">
+                <a16:creationId xmlns:a16="http://schemas.microsoft.com/office/drawing/2014/main" id="{86ABF159-10CC-04D3-86A0-F2DB859B0EB4}"/>
+              </a:ext>
+            </a:extLst>
+          </p:cNvPr>
+          <p:cNvSpPr txBox="1"/>
+          <p:nvPr/>
+        </p:nvSpPr>
+        <p:spPr>
+          <a:xfrm>
+            <a:off x="5512341" y="848193"/>
+            <a:ext cx="6210853" cy="2031325"/>
+          </a:xfrm>
+          <a:prstGeom prst="rect">
+            <a:avLst/>
+          </a:prstGeom>
+          <a:noFill/>
+        </p:spPr>
+        <p:txBody>
+          <a:bodyPr wrap="square" rtlCol="0">
+            <a:spAutoFit/>
+          </a:bodyPr>
+          <a:lstStyle/>
+          <a:p>
+            <a:r>
+              <a:rPr lang="en-US" dirty="0">
+                <a:latin typeface="+mj-lt"/>
+              </a:rPr>
+              <a:t>Very basic model(No HP-tunning) with 50    epochs</a:t>
+            </a:r>
+          </a:p>
+          <a:p>
+            <a:r>
+              <a:rPr lang="en-US" dirty="0">
+                <a:latin typeface="+mj-lt"/>
+              </a:rPr>
+              <a:t>PH = </a:t>
+            </a:r>
+            <a:r>
+              <a:rPr lang="pt-BR" b="0" i="0" dirty="0">
+                <a:effectLst/>
+                <a:latin typeface="+mj-lt"/>
+              </a:rPr>
+              <a:t>MAE: 1.248 RMSE: 1.460 R2: -33.124</a:t>
+            </a:r>
+          </a:p>
+          <a:p>
+            <a:r>
+              <a:rPr lang="en-US" dirty="0">
+                <a:latin typeface="+mj-lt"/>
+              </a:rPr>
+              <a:t>Salinity = </a:t>
+            </a:r>
+            <a:r>
+              <a:rPr lang="pt-BR" b="0" i="0" dirty="0">
+                <a:effectLst/>
+                <a:latin typeface="+mj-lt"/>
+              </a:rPr>
+              <a:t>MAE: 2.224 RMSE: 2.557 R2: 0.608</a:t>
+            </a:r>
+          </a:p>
+          <a:p>
+            <a:r>
+              <a:rPr lang="pt-BR" dirty="0">
+                <a:latin typeface="+mj-lt"/>
+              </a:rPr>
+              <a:t>Ammonia = </a:t>
+            </a:r>
+            <a:r>
+              <a:rPr lang="pt-BR" b="0" i="0" dirty="0">
+                <a:effectLst/>
+                <a:latin typeface="+mj-lt"/>
+              </a:rPr>
+              <a:t>MAE: 0.054 RMSE: 0.071 R2: -66.006</a:t>
+            </a:r>
+            <a:endParaRPr lang="en-US" dirty="0">
+              <a:latin typeface="+mj-lt"/>
+            </a:endParaRPr>
+          </a:p>
+          <a:p>
+            <a:r>
+              <a:rPr lang="en-US" dirty="0">
+                <a:latin typeface="+mj-lt"/>
+              </a:rPr>
+              <a:t>Dataset = NDVI with 30    points.  </a:t>
+            </a:r>
+            <a:r>
+              <a:rPr lang="en-US" b="0" dirty="0">
+                <a:effectLst/>
+                <a:latin typeface="+mj-lt"/>
+              </a:rPr>
+              <a:t>2023-07-09 and</a:t>
+            </a:r>
+          </a:p>
+          <a:p>
+            <a:r>
+              <a:rPr lang="en-US" b="0" dirty="0">
+                <a:effectLst/>
+                <a:latin typeface="+mj-lt"/>
+              </a:rPr>
+              <a:t>2023-04-20</a:t>
+            </a:r>
+          </a:p>
+          <a:p>
+            <a:endParaRPr lang="en-US" dirty="0">
+              <a:latin typeface="+mj-lt"/>
+            </a:endParaRPr>
+          </a:p>
+        </p:txBody>
+      </p:sp>
+    </p:spTree>
+    <p:extLst>
+      <p:ext uri="{BB962C8B-B14F-4D97-AF65-F5344CB8AC3E}">
+        <p14:creationId xmlns:p14="http://schemas.microsoft.com/office/powerpoint/2010/main" val="934267909"/>
+      </p:ext>
+    </p:extLst>
+  </p:cSld>
+  <p:clrMapOvr>
+    <a:masterClrMapping/>
+  </p:clrMapOvr>
+</p:sld>
+</file>
+
+<file path=ppt/slides/slide9.xml><?xml version="1.0" encoding="utf-8"?>
+<p:sld xmlns:a="http://schemas.openxmlformats.org/drawingml/2006/main" xmlns:r="http://schemas.openxmlformats.org/officeDocument/2006/relationships" xmlns:p="http://schemas.openxmlformats.org/presentationml/2006/main">
+  <p:cSld>
+    <p:spTree>
+      <p:nvGrpSpPr>
+        <p:cNvPr id="1" name=""/>
+        <p:cNvGrpSpPr/>
+        <p:nvPr/>
+      </p:nvGrpSpPr>
+      <p:grpSpPr>
+        <a:xfrm>
+          <a:off x="0" y="0"/>
+          <a:ext cx="0" cy="0"/>
+          <a:chOff x="0" y="0"/>
+          <a:chExt cx="0" cy="0"/>
+        </a:xfrm>
+      </p:grpSpPr>
+      <p:sp>
+        <p:nvSpPr>
+          <p:cNvPr id="3" name="TextBox 2">
+            <a:extLst>
+              <a:ext uri="{FF2B5EF4-FFF2-40B4-BE49-F238E27FC236}">
+                <a16:creationId xmlns:a16="http://schemas.microsoft.com/office/drawing/2014/main" id="{848125D5-354B-4985-4B4C-C0AA12D54A67}"/>
+              </a:ext>
+            </a:extLst>
+          </p:cNvPr>
+          <p:cNvSpPr txBox="1"/>
+          <p:nvPr/>
+        </p:nvSpPr>
+        <p:spPr>
+          <a:xfrm>
+            <a:off x="1333850" y="1107347"/>
+            <a:ext cx="9387281" cy="3139321"/>
+          </a:xfrm>
+          <a:prstGeom prst="rect">
+            <a:avLst/>
+          </a:prstGeom>
+          <a:noFill/>
+        </p:spPr>
+        <p:txBody>
+          <a:bodyPr wrap="square" rtlCol="0">
+            <a:spAutoFit/>
+          </a:bodyPr>
+          <a:lstStyle/>
+          <a:p>
+            <a:pPr marL="285750" indent="-285750">
+              <a:buFont typeface="Arial" panose="020B0604020202020204" pitchFamily="34" charset="0"/>
+              <a:buChar char="•"/>
+            </a:pPr>
+            <a:r>
+              <a:rPr lang="en-US" dirty="0"/>
+              <a:t>We can keep  both model in pipeline to check  for large dataset.</a:t>
+            </a:r>
+          </a:p>
+          <a:p>
+            <a:pPr marL="285750" indent="-285750">
+              <a:buFont typeface="Arial" panose="020B0604020202020204" pitchFamily="34" charset="0"/>
+              <a:buChar char="•"/>
+            </a:pPr>
+            <a:endParaRPr lang="en-US" dirty="0"/>
+          </a:p>
+          <a:p>
+            <a:pPr marL="285750" indent="-285750">
+              <a:buFont typeface="Arial" panose="020B0604020202020204" pitchFamily="34" charset="0"/>
+              <a:buChar char="•"/>
+            </a:pPr>
+            <a:r>
+              <a:rPr lang="en-US" dirty="0"/>
+              <a:t>But I am lean towards on the WQI model because I know what exactly what's happening in the model.</a:t>
+            </a:r>
+          </a:p>
+          <a:p>
+            <a:pPr marL="285750" indent="-285750">
+              <a:buFont typeface="Arial" panose="020B0604020202020204" pitchFamily="34" charset="0"/>
+              <a:buChar char="•"/>
+            </a:pPr>
+            <a:endParaRPr lang="en-US" dirty="0"/>
+          </a:p>
+          <a:p>
+            <a:pPr marL="285750" indent="-285750">
+              <a:buFont typeface="Arial" panose="020B0604020202020204" pitchFamily="34" charset="0"/>
+              <a:buChar char="•"/>
+            </a:pPr>
+            <a:r>
+              <a:rPr lang="en-US" dirty="0"/>
+              <a:t>Addition of fuzzy logic in the model , which is work better complex model with less data points</a:t>
+            </a:r>
+          </a:p>
+          <a:p>
+            <a:pPr marL="285750" indent="-285750">
+              <a:buFont typeface="Arial" panose="020B0604020202020204" pitchFamily="34" charset="0"/>
+              <a:buChar char="•"/>
+            </a:pPr>
+            <a:endParaRPr lang="en-US" dirty="0"/>
+          </a:p>
+          <a:p>
+            <a:pPr marL="285750" indent="-285750">
+              <a:buFont typeface="Arial" panose="020B0604020202020204" pitchFamily="34" charset="0"/>
+              <a:buChar char="•"/>
+            </a:pPr>
+            <a:r>
+              <a:rPr lang="en-US" dirty="0"/>
+              <a:t>Also, we have kind of switch on model to select for which parameter I need more accuracy as per our importance of parameter </a:t>
+            </a:r>
+          </a:p>
+          <a:p>
+            <a:pPr marL="285750" indent="-285750">
+              <a:buFont typeface="Arial" panose="020B0604020202020204" pitchFamily="34" charset="0"/>
+              <a:buChar char="•"/>
+            </a:pPr>
+            <a:endParaRPr lang="en-US" dirty="0"/>
+          </a:p>
+          <a:p>
+            <a:pPr marL="285750" indent="-285750">
+              <a:buFont typeface="Arial" panose="020B0604020202020204" pitchFamily="34" charset="0"/>
+              <a:buChar char="•"/>
+            </a:pPr>
+            <a:r>
+              <a:rPr lang="en-US" dirty="0"/>
+              <a:t>Also, Deep learning model can be explored heavily with planet scope data</a:t>
+            </a:r>
+          </a:p>
+        </p:txBody>
+      </p:sp>
+      <p:sp>
+        <p:nvSpPr>
+          <p:cNvPr id="4" name="TextBox 3">
+            <a:extLst>
+              <a:ext uri="{FF2B5EF4-FFF2-40B4-BE49-F238E27FC236}">
+                <a16:creationId xmlns:a16="http://schemas.microsoft.com/office/drawing/2014/main" id="{C6935184-132B-998A-8C56-B908582C8C8A}"/>
+              </a:ext>
+            </a:extLst>
+          </p:cNvPr>
+          <p:cNvSpPr txBox="1"/>
+          <p:nvPr/>
+        </p:nvSpPr>
+        <p:spPr>
+          <a:xfrm>
+            <a:off x="1006679" y="461394"/>
+            <a:ext cx="5553512" cy="523220"/>
+          </a:xfrm>
+          <a:prstGeom prst="rect">
+            <a:avLst/>
+          </a:prstGeom>
+          <a:noFill/>
+        </p:spPr>
+        <p:txBody>
+          <a:bodyPr wrap="square" rtlCol="0">
+            <a:spAutoFit/>
+          </a:bodyPr>
+          <a:lstStyle/>
+          <a:p>
+            <a:r>
+              <a:rPr lang="en-US" sz="2800" dirty="0"/>
+              <a:t>My thoughts</a:t>
+            </a:r>
+          </a:p>
+        </p:txBody>
+      </p:sp>
+    </p:spTree>
+    <p:extLst>
+      <p:ext uri="{BB962C8B-B14F-4D97-AF65-F5344CB8AC3E}">
+        <p14:creationId xmlns:p14="http://schemas.microsoft.com/office/powerpoint/2010/main" val="1383049613"/>
+      </p:ext>
+    </p:extLst>
+  </p:cSld>
+  <p:clrMapOvr>
+    <a:masterClrMapping/>
+  </p:clrMapOvr>
+</p:sld>
+</file>
+
 <file path=ppt/theme/theme1.xml><?xml version="1.0" encoding="utf-8"?>
 <a:theme xmlns:a="http://schemas.openxmlformats.org/drawingml/2006/main" name="Office Theme">
   <a:themeElements>
